--- a/Documentazione/Presentazione Progetto H18.pptx
+++ b/Documentazione/Presentazione Progetto H18.pptx
@@ -5,7 +5,7 @@
     <p:sldMasterId id="2147483648" r:id="rId1"/>
   </p:sldMasterIdLst>
   <p:notesMasterIdLst>
-    <p:notesMasterId r:id="rId13"/>
+    <p:notesMasterId r:id="rId15"/>
   </p:notesMasterIdLst>
   <p:sldIdLst>
     <p:sldId id="256" r:id="rId2"/>
@@ -19,6 +19,8 @@
     <p:sldId id="283" r:id="rId10"/>
     <p:sldId id="284" r:id="rId11"/>
     <p:sldId id="281" r:id="rId12"/>
+    <p:sldId id="285" r:id="rId13"/>
+    <p:sldId id="286" r:id="rId14"/>
   </p:sldIdLst>
   <p:sldSz cx="12192000" cy="6858000"/>
   <p:notesSz cx="6858000" cy="9144000"/>
@@ -202,7 +204,7 @@
           <a:p>
             <a:fld id="{AF7FDF2D-05C3-4045-B01A-379F476B38BA}" type="datetimeFigureOut">
               <a:rPr lang="it-IT" smtClean="0"/>
-              <a:t>15/09/2018</a:t>
+              <a:t>17/09/18</a:t>
             </a:fld>
             <a:endParaRPr lang="it-IT"/>
           </a:p>
@@ -360,7 +362,7 @@
           <a:p>
             <a:fld id="{BF5CE9E4-F3F2-4C0B-BE16-6C9AE2C83E34}" type="slidenum">
               <a:rPr lang="it-IT" smtClean="0"/>
-              <a:t>‹N›</a:t>
+              <a:t>‹n.›</a:t>
             </a:fld>
             <a:endParaRPr lang="it-IT"/>
           </a:p>
@@ -724,6 +726,174 @@
 </p:notes>
 </file>
 
+<file path=ppt/notesSlides/notesSlide12.xml><?xml version="1.0" encoding="utf-8"?>
+<p:notes xmlns:a="http://schemas.openxmlformats.org/drawingml/2006/main" xmlns:r="http://schemas.openxmlformats.org/officeDocument/2006/relationships" xmlns:p="http://schemas.openxmlformats.org/presentationml/2006/main">
+  <p:cSld>
+    <p:spTree>
+      <p:nvGrpSpPr>
+        <p:cNvPr id="1" name=""/>
+        <p:cNvGrpSpPr/>
+        <p:nvPr/>
+      </p:nvGrpSpPr>
+      <p:grpSpPr>
+        <a:xfrm>
+          <a:off x="0" y="0"/>
+          <a:ext cx="0" cy="0"/>
+          <a:chOff x="0" y="0"/>
+          <a:chExt cx="0" cy="0"/>
+        </a:xfrm>
+      </p:grpSpPr>
+      <p:sp>
+        <p:nvSpPr>
+          <p:cNvPr id="2" name="Segnaposto immagine diapositiva 1"/>
+          <p:cNvSpPr>
+            <a:spLocks noGrp="1" noRot="1" noChangeAspect="1"/>
+          </p:cNvSpPr>
+          <p:nvPr>
+            <p:ph type="sldImg"/>
+          </p:nvPr>
+        </p:nvSpPr>
+        <p:spPr/>
+      </p:sp>
+      <p:sp>
+        <p:nvSpPr>
+          <p:cNvPr id="3" name="Segnaposto note 2"/>
+          <p:cNvSpPr>
+            <a:spLocks noGrp="1"/>
+          </p:cNvSpPr>
+          <p:nvPr>
+            <p:ph type="body" idx="1"/>
+          </p:nvPr>
+        </p:nvSpPr>
+        <p:spPr/>
+        <p:txBody>
+          <a:bodyPr/>
+          <a:lstStyle/>
+          <a:p>
+            <a:endParaRPr lang="it-IT" dirty="0"/>
+          </a:p>
+        </p:txBody>
+      </p:sp>
+      <p:sp>
+        <p:nvSpPr>
+          <p:cNvPr id="4" name="Segnaposto numero diapositiva 3"/>
+          <p:cNvSpPr>
+            <a:spLocks noGrp="1"/>
+          </p:cNvSpPr>
+          <p:nvPr>
+            <p:ph type="sldNum" sz="quarter" idx="10"/>
+          </p:nvPr>
+        </p:nvSpPr>
+        <p:spPr/>
+        <p:txBody>
+          <a:bodyPr/>
+          <a:lstStyle/>
+          <a:p>
+            <a:fld id="{925CC4C7-62A4-461A-96A0-726F68ACEAA0}" type="slidenum">
+              <a:rPr lang="it-IT" smtClean="0"/>
+              <a:t>12</a:t>
+            </a:fld>
+            <a:endParaRPr lang="it-IT"/>
+          </a:p>
+        </p:txBody>
+      </p:sp>
+    </p:spTree>
+    <p:extLst>
+      <p:ext uri="{BB962C8B-B14F-4D97-AF65-F5344CB8AC3E}">
+        <p14:creationId xmlns:p14="http://schemas.microsoft.com/office/powerpoint/2010/main" val="918551911"/>
+      </p:ext>
+    </p:extLst>
+  </p:cSld>
+  <p:clrMapOvr>
+    <a:masterClrMapping/>
+  </p:clrMapOvr>
+</p:notes>
+</file>
+
+<file path=ppt/notesSlides/notesSlide13.xml><?xml version="1.0" encoding="utf-8"?>
+<p:notes xmlns:a="http://schemas.openxmlformats.org/drawingml/2006/main" xmlns:r="http://schemas.openxmlformats.org/officeDocument/2006/relationships" xmlns:p="http://schemas.openxmlformats.org/presentationml/2006/main">
+  <p:cSld>
+    <p:spTree>
+      <p:nvGrpSpPr>
+        <p:cNvPr id="1" name=""/>
+        <p:cNvGrpSpPr/>
+        <p:nvPr/>
+      </p:nvGrpSpPr>
+      <p:grpSpPr>
+        <a:xfrm>
+          <a:off x="0" y="0"/>
+          <a:ext cx="0" cy="0"/>
+          <a:chOff x="0" y="0"/>
+          <a:chExt cx="0" cy="0"/>
+        </a:xfrm>
+      </p:grpSpPr>
+      <p:sp>
+        <p:nvSpPr>
+          <p:cNvPr id="2" name="Segnaposto immagine diapositiva 1"/>
+          <p:cNvSpPr>
+            <a:spLocks noGrp="1" noRot="1" noChangeAspect="1"/>
+          </p:cNvSpPr>
+          <p:nvPr>
+            <p:ph type="sldImg"/>
+          </p:nvPr>
+        </p:nvSpPr>
+        <p:spPr/>
+      </p:sp>
+      <p:sp>
+        <p:nvSpPr>
+          <p:cNvPr id="3" name="Segnaposto note 2"/>
+          <p:cNvSpPr>
+            <a:spLocks noGrp="1"/>
+          </p:cNvSpPr>
+          <p:nvPr>
+            <p:ph type="body" idx="1"/>
+          </p:nvPr>
+        </p:nvSpPr>
+        <p:spPr/>
+        <p:txBody>
+          <a:bodyPr/>
+          <a:lstStyle/>
+          <a:p>
+            <a:endParaRPr lang="it-IT" dirty="0"/>
+          </a:p>
+        </p:txBody>
+      </p:sp>
+      <p:sp>
+        <p:nvSpPr>
+          <p:cNvPr id="4" name="Segnaposto numero diapositiva 3"/>
+          <p:cNvSpPr>
+            <a:spLocks noGrp="1"/>
+          </p:cNvSpPr>
+          <p:nvPr>
+            <p:ph type="sldNum" sz="quarter" idx="10"/>
+          </p:nvPr>
+        </p:nvSpPr>
+        <p:spPr/>
+        <p:txBody>
+          <a:bodyPr/>
+          <a:lstStyle/>
+          <a:p>
+            <a:fld id="{925CC4C7-62A4-461A-96A0-726F68ACEAA0}" type="slidenum">
+              <a:rPr lang="it-IT" smtClean="0"/>
+              <a:t>13</a:t>
+            </a:fld>
+            <a:endParaRPr lang="it-IT"/>
+          </a:p>
+        </p:txBody>
+      </p:sp>
+    </p:spTree>
+    <p:extLst>
+      <p:ext uri="{BB962C8B-B14F-4D97-AF65-F5344CB8AC3E}">
+        <p14:creationId xmlns:p14="http://schemas.microsoft.com/office/powerpoint/2010/main" val="918551911"/>
+      </p:ext>
+    </p:extLst>
+  </p:cSld>
+  <p:clrMapOvr>
+    <a:masterClrMapping/>
+  </p:clrMapOvr>
+</p:notes>
+</file>
+
 <file path=ppt/notesSlides/notesSlide2.xml><?xml version="1.0" encoding="utf-8"?>
 <p:notes xmlns:a="http://schemas.openxmlformats.org/drawingml/2006/main" xmlns:r="http://schemas.openxmlformats.org/officeDocument/2006/relationships" xmlns:p="http://schemas.openxmlformats.org/presentationml/2006/main">
   <p:cSld>
@@ -1418,7 +1588,7 @@
           <p:cNvPr id="2" name="Titolo 1">
             <a:extLst>
               <a:ext uri="{FF2B5EF4-FFF2-40B4-BE49-F238E27FC236}">
-                <a16:creationId xmlns:a16="http://schemas.microsoft.com/office/drawing/2014/main" id="{747D3D73-F034-486B-BFDD-0367A0400F1E}"/>
+                <a16:creationId xmlns:a16="http://schemas.microsoft.com/office/drawing/2014/main" xmlns="" id="{747D3D73-F034-486B-BFDD-0367A0400F1E}"/>
               </a:ext>
             </a:extLst>
           </p:cNvPr>
@@ -1455,7 +1625,7 @@
           <p:cNvPr id="3" name="Sottotitolo 2">
             <a:extLst>
               <a:ext uri="{FF2B5EF4-FFF2-40B4-BE49-F238E27FC236}">
-                <a16:creationId xmlns:a16="http://schemas.microsoft.com/office/drawing/2014/main" id="{DB0DCB69-207F-4AC2-BC62-9A09B6A1BE59}"/>
+                <a16:creationId xmlns:a16="http://schemas.microsoft.com/office/drawing/2014/main" xmlns="" id="{DB0DCB69-207F-4AC2-BC62-9A09B6A1BE59}"/>
               </a:ext>
             </a:extLst>
           </p:cNvPr>
@@ -1525,7 +1695,7 @@
           <p:cNvPr id="4" name="Segnaposto data 3">
             <a:extLst>
               <a:ext uri="{FF2B5EF4-FFF2-40B4-BE49-F238E27FC236}">
-                <a16:creationId xmlns:a16="http://schemas.microsoft.com/office/drawing/2014/main" id="{3487AD3B-BD03-43D3-B1F7-A0A6D51C247C}"/>
+                <a16:creationId xmlns:a16="http://schemas.microsoft.com/office/drawing/2014/main" xmlns="" id="{3487AD3B-BD03-43D3-B1F7-A0A6D51C247C}"/>
               </a:ext>
             </a:extLst>
           </p:cNvPr>
@@ -1543,7 +1713,7 @@
           <a:p>
             <a:fld id="{F67947F7-BE61-4279-ACD1-4F02A733015D}" type="datetimeFigureOut">
               <a:rPr lang="it-IT" smtClean="0"/>
-              <a:t>15/09/2018</a:t>
+              <a:t>17/09/18</a:t>
             </a:fld>
             <a:endParaRPr lang="it-IT"/>
           </a:p>
@@ -1554,7 +1724,7 @@
           <p:cNvPr id="5" name="Segnaposto piè di pagina 4">
             <a:extLst>
               <a:ext uri="{FF2B5EF4-FFF2-40B4-BE49-F238E27FC236}">
-                <a16:creationId xmlns:a16="http://schemas.microsoft.com/office/drawing/2014/main" id="{77399B2C-151E-4EAF-A390-E145BD6D68CE}"/>
+                <a16:creationId xmlns:a16="http://schemas.microsoft.com/office/drawing/2014/main" xmlns="" id="{77399B2C-151E-4EAF-A390-E145BD6D68CE}"/>
               </a:ext>
             </a:extLst>
           </p:cNvPr>
@@ -1579,7 +1749,7 @@
           <p:cNvPr id="6" name="Segnaposto numero diapositiva 5">
             <a:extLst>
               <a:ext uri="{FF2B5EF4-FFF2-40B4-BE49-F238E27FC236}">
-                <a16:creationId xmlns:a16="http://schemas.microsoft.com/office/drawing/2014/main" id="{355B20C3-1BA1-40E8-A106-BBF152602697}"/>
+                <a16:creationId xmlns:a16="http://schemas.microsoft.com/office/drawing/2014/main" xmlns="" id="{355B20C3-1BA1-40E8-A106-BBF152602697}"/>
               </a:ext>
             </a:extLst>
           </p:cNvPr>
@@ -1597,7 +1767,7 @@
           <a:p>
             <a:fld id="{5D345246-873E-4AA2-A897-0FFE01134B56}" type="slidenum">
               <a:rPr lang="it-IT" smtClean="0"/>
-              <a:t>‹N›</a:t>
+              <a:t>‹n.›</a:t>
             </a:fld>
             <a:endParaRPr lang="it-IT"/>
           </a:p>
@@ -1638,7 +1808,7 @@
           <p:cNvPr id="2" name="Titolo 1">
             <a:extLst>
               <a:ext uri="{FF2B5EF4-FFF2-40B4-BE49-F238E27FC236}">
-                <a16:creationId xmlns:a16="http://schemas.microsoft.com/office/drawing/2014/main" id="{28A37265-0B06-442D-B075-BE023B05169F}"/>
+                <a16:creationId xmlns:a16="http://schemas.microsoft.com/office/drawing/2014/main" xmlns="" id="{28A37265-0B06-442D-B075-BE023B05169F}"/>
               </a:ext>
             </a:extLst>
           </p:cNvPr>
@@ -1666,7 +1836,7 @@
           <p:cNvPr id="3" name="Segnaposto testo verticale 2">
             <a:extLst>
               <a:ext uri="{FF2B5EF4-FFF2-40B4-BE49-F238E27FC236}">
-                <a16:creationId xmlns:a16="http://schemas.microsoft.com/office/drawing/2014/main" id="{D2F68257-F138-40AF-BC63-9FDF2FEBB901}"/>
+                <a16:creationId xmlns:a16="http://schemas.microsoft.com/office/drawing/2014/main" xmlns="" id="{D2F68257-F138-40AF-BC63-9FDF2FEBB901}"/>
               </a:ext>
             </a:extLst>
           </p:cNvPr>
@@ -1723,7 +1893,7 @@
           <p:cNvPr id="4" name="Segnaposto data 3">
             <a:extLst>
               <a:ext uri="{FF2B5EF4-FFF2-40B4-BE49-F238E27FC236}">
-                <a16:creationId xmlns:a16="http://schemas.microsoft.com/office/drawing/2014/main" id="{861FB7FC-0049-4B2A-9131-3388CD0DA942}"/>
+                <a16:creationId xmlns:a16="http://schemas.microsoft.com/office/drawing/2014/main" xmlns="" id="{861FB7FC-0049-4B2A-9131-3388CD0DA942}"/>
               </a:ext>
             </a:extLst>
           </p:cNvPr>
@@ -1741,7 +1911,7 @@
           <a:p>
             <a:fld id="{F67947F7-BE61-4279-ACD1-4F02A733015D}" type="datetimeFigureOut">
               <a:rPr lang="it-IT" smtClean="0"/>
-              <a:t>15/09/2018</a:t>
+              <a:t>17/09/18</a:t>
             </a:fld>
             <a:endParaRPr lang="it-IT"/>
           </a:p>
@@ -1752,7 +1922,7 @@
           <p:cNvPr id="5" name="Segnaposto piè di pagina 4">
             <a:extLst>
               <a:ext uri="{FF2B5EF4-FFF2-40B4-BE49-F238E27FC236}">
-                <a16:creationId xmlns:a16="http://schemas.microsoft.com/office/drawing/2014/main" id="{3B3D8846-1696-4A10-AC8C-9A6BCA5DBA48}"/>
+                <a16:creationId xmlns:a16="http://schemas.microsoft.com/office/drawing/2014/main" xmlns="" id="{3B3D8846-1696-4A10-AC8C-9A6BCA5DBA48}"/>
               </a:ext>
             </a:extLst>
           </p:cNvPr>
@@ -1777,7 +1947,7 @@
           <p:cNvPr id="6" name="Segnaposto numero diapositiva 5">
             <a:extLst>
               <a:ext uri="{FF2B5EF4-FFF2-40B4-BE49-F238E27FC236}">
-                <a16:creationId xmlns:a16="http://schemas.microsoft.com/office/drawing/2014/main" id="{16BC2A81-DABC-4787-8425-AC691C595921}"/>
+                <a16:creationId xmlns:a16="http://schemas.microsoft.com/office/drawing/2014/main" xmlns="" id="{16BC2A81-DABC-4787-8425-AC691C595921}"/>
               </a:ext>
             </a:extLst>
           </p:cNvPr>
@@ -1795,7 +1965,7 @@
           <a:p>
             <a:fld id="{5D345246-873E-4AA2-A897-0FFE01134B56}" type="slidenum">
               <a:rPr lang="it-IT" smtClean="0"/>
-              <a:t>‹N›</a:t>
+              <a:t>‹n.›</a:t>
             </a:fld>
             <a:endParaRPr lang="it-IT"/>
           </a:p>
@@ -1836,7 +2006,7 @@
           <p:cNvPr id="2" name="Titolo verticale 1">
             <a:extLst>
               <a:ext uri="{FF2B5EF4-FFF2-40B4-BE49-F238E27FC236}">
-                <a16:creationId xmlns:a16="http://schemas.microsoft.com/office/drawing/2014/main" id="{AB1C459B-E770-41F6-BBAA-84F291DBE6FF}"/>
+                <a16:creationId xmlns:a16="http://schemas.microsoft.com/office/drawing/2014/main" xmlns="" id="{AB1C459B-E770-41F6-BBAA-84F291DBE6FF}"/>
               </a:ext>
             </a:extLst>
           </p:cNvPr>
@@ -1869,7 +2039,7 @@
           <p:cNvPr id="3" name="Segnaposto testo verticale 2">
             <a:extLst>
               <a:ext uri="{FF2B5EF4-FFF2-40B4-BE49-F238E27FC236}">
-                <a16:creationId xmlns:a16="http://schemas.microsoft.com/office/drawing/2014/main" id="{27D9BB05-1888-4AA9-8D7E-03BCDF3C0B80}"/>
+                <a16:creationId xmlns:a16="http://schemas.microsoft.com/office/drawing/2014/main" xmlns="" id="{27D9BB05-1888-4AA9-8D7E-03BCDF3C0B80}"/>
               </a:ext>
             </a:extLst>
           </p:cNvPr>
@@ -1931,7 +2101,7 @@
           <p:cNvPr id="4" name="Segnaposto data 3">
             <a:extLst>
               <a:ext uri="{FF2B5EF4-FFF2-40B4-BE49-F238E27FC236}">
-                <a16:creationId xmlns:a16="http://schemas.microsoft.com/office/drawing/2014/main" id="{7BB0EF55-CAF7-4F53-8D99-1D03566341B6}"/>
+                <a16:creationId xmlns:a16="http://schemas.microsoft.com/office/drawing/2014/main" xmlns="" id="{7BB0EF55-CAF7-4F53-8D99-1D03566341B6}"/>
               </a:ext>
             </a:extLst>
           </p:cNvPr>
@@ -1949,7 +2119,7 @@
           <a:p>
             <a:fld id="{F67947F7-BE61-4279-ACD1-4F02A733015D}" type="datetimeFigureOut">
               <a:rPr lang="it-IT" smtClean="0"/>
-              <a:t>15/09/2018</a:t>
+              <a:t>17/09/18</a:t>
             </a:fld>
             <a:endParaRPr lang="it-IT"/>
           </a:p>
@@ -1960,7 +2130,7 @@
           <p:cNvPr id="5" name="Segnaposto piè di pagina 4">
             <a:extLst>
               <a:ext uri="{FF2B5EF4-FFF2-40B4-BE49-F238E27FC236}">
-                <a16:creationId xmlns:a16="http://schemas.microsoft.com/office/drawing/2014/main" id="{6AA0DB58-FB01-460B-8F85-88C532CB5B0E}"/>
+                <a16:creationId xmlns:a16="http://schemas.microsoft.com/office/drawing/2014/main" xmlns="" id="{6AA0DB58-FB01-460B-8F85-88C532CB5B0E}"/>
               </a:ext>
             </a:extLst>
           </p:cNvPr>
@@ -1985,7 +2155,7 @@
           <p:cNvPr id="6" name="Segnaposto numero diapositiva 5">
             <a:extLst>
               <a:ext uri="{FF2B5EF4-FFF2-40B4-BE49-F238E27FC236}">
-                <a16:creationId xmlns:a16="http://schemas.microsoft.com/office/drawing/2014/main" id="{1ACBE477-5CCE-420D-9D66-938E2E8AF1AE}"/>
+                <a16:creationId xmlns:a16="http://schemas.microsoft.com/office/drawing/2014/main" xmlns="" id="{1ACBE477-5CCE-420D-9D66-938E2E8AF1AE}"/>
               </a:ext>
             </a:extLst>
           </p:cNvPr>
@@ -2003,7 +2173,7 @@
           <a:p>
             <a:fld id="{5D345246-873E-4AA2-A897-0FFE01134B56}" type="slidenum">
               <a:rPr lang="it-IT" smtClean="0"/>
-              <a:t>‹N›</a:t>
+              <a:t>‹n.›</a:t>
             </a:fld>
             <a:endParaRPr lang="it-IT"/>
           </a:p>
@@ -2044,7 +2214,7 @@
           <p:cNvPr id="2" name="Titolo 1">
             <a:extLst>
               <a:ext uri="{FF2B5EF4-FFF2-40B4-BE49-F238E27FC236}">
-                <a16:creationId xmlns:a16="http://schemas.microsoft.com/office/drawing/2014/main" id="{C2689C7B-1655-4D18-8265-EB1353BFDA6A}"/>
+                <a16:creationId xmlns:a16="http://schemas.microsoft.com/office/drawing/2014/main" xmlns="" id="{C2689C7B-1655-4D18-8265-EB1353BFDA6A}"/>
               </a:ext>
             </a:extLst>
           </p:cNvPr>
@@ -2072,7 +2242,7 @@
           <p:cNvPr id="3" name="Segnaposto contenuto 2">
             <a:extLst>
               <a:ext uri="{FF2B5EF4-FFF2-40B4-BE49-F238E27FC236}">
-                <a16:creationId xmlns:a16="http://schemas.microsoft.com/office/drawing/2014/main" id="{853672E5-614B-41D8-B43E-1327B7ED29F9}"/>
+                <a16:creationId xmlns:a16="http://schemas.microsoft.com/office/drawing/2014/main" xmlns="" id="{853672E5-614B-41D8-B43E-1327B7ED29F9}"/>
               </a:ext>
             </a:extLst>
           </p:cNvPr>
@@ -2129,7 +2299,7 @@
           <p:cNvPr id="4" name="Segnaposto data 3">
             <a:extLst>
               <a:ext uri="{FF2B5EF4-FFF2-40B4-BE49-F238E27FC236}">
-                <a16:creationId xmlns:a16="http://schemas.microsoft.com/office/drawing/2014/main" id="{BAB38C7B-E510-4042-8CEC-A81597BDA521}"/>
+                <a16:creationId xmlns:a16="http://schemas.microsoft.com/office/drawing/2014/main" xmlns="" id="{BAB38C7B-E510-4042-8CEC-A81597BDA521}"/>
               </a:ext>
             </a:extLst>
           </p:cNvPr>
@@ -2147,7 +2317,7 @@
           <a:p>
             <a:fld id="{F67947F7-BE61-4279-ACD1-4F02A733015D}" type="datetimeFigureOut">
               <a:rPr lang="it-IT" smtClean="0"/>
-              <a:t>15/09/2018</a:t>
+              <a:t>17/09/18</a:t>
             </a:fld>
             <a:endParaRPr lang="it-IT"/>
           </a:p>
@@ -2158,7 +2328,7 @@
           <p:cNvPr id="5" name="Segnaposto piè di pagina 4">
             <a:extLst>
               <a:ext uri="{FF2B5EF4-FFF2-40B4-BE49-F238E27FC236}">
-                <a16:creationId xmlns:a16="http://schemas.microsoft.com/office/drawing/2014/main" id="{1D7701BC-2485-4B03-AC04-4D5C2672B044}"/>
+                <a16:creationId xmlns:a16="http://schemas.microsoft.com/office/drawing/2014/main" xmlns="" id="{1D7701BC-2485-4B03-AC04-4D5C2672B044}"/>
               </a:ext>
             </a:extLst>
           </p:cNvPr>
@@ -2183,7 +2353,7 @@
           <p:cNvPr id="6" name="Segnaposto numero diapositiva 5">
             <a:extLst>
               <a:ext uri="{FF2B5EF4-FFF2-40B4-BE49-F238E27FC236}">
-                <a16:creationId xmlns:a16="http://schemas.microsoft.com/office/drawing/2014/main" id="{29AF127B-86C3-482A-8C8A-E75808FD8B9B}"/>
+                <a16:creationId xmlns:a16="http://schemas.microsoft.com/office/drawing/2014/main" xmlns="" id="{29AF127B-86C3-482A-8C8A-E75808FD8B9B}"/>
               </a:ext>
             </a:extLst>
           </p:cNvPr>
@@ -2201,7 +2371,7 @@
           <a:p>
             <a:fld id="{5D345246-873E-4AA2-A897-0FFE01134B56}" type="slidenum">
               <a:rPr lang="it-IT" smtClean="0"/>
-              <a:t>‹N›</a:t>
+              <a:t>‹n.›</a:t>
             </a:fld>
             <a:endParaRPr lang="it-IT"/>
           </a:p>
@@ -2242,7 +2412,7 @@
           <p:cNvPr id="2" name="Titolo 1">
             <a:extLst>
               <a:ext uri="{FF2B5EF4-FFF2-40B4-BE49-F238E27FC236}">
-                <a16:creationId xmlns:a16="http://schemas.microsoft.com/office/drawing/2014/main" id="{3202D77D-A323-4594-87D2-72714B78842E}"/>
+                <a16:creationId xmlns:a16="http://schemas.microsoft.com/office/drawing/2014/main" xmlns="" id="{3202D77D-A323-4594-87D2-72714B78842E}"/>
               </a:ext>
             </a:extLst>
           </p:cNvPr>
@@ -2279,7 +2449,7 @@
           <p:cNvPr id="3" name="Segnaposto testo 2">
             <a:extLst>
               <a:ext uri="{FF2B5EF4-FFF2-40B4-BE49-F238E27FC236}">
-                <a16:creationId xmlns:a16="http://schemas.microsoft.com/office/drawing/2014/main" id="{0623D1EF-13A6-4FD8-9BA9-6916CF0A9BE2}"/>
+                <a16:creationId xmlns:a16="http://schemas.microsoft.com/office/drawing/2014/main" xmlns="" id="{0623D1EF-13A6-4FD8-9BA9-6916CF0A9BE2}"/>
               </a:ext>
             </a:extLst>
           </p:cNvPr>
@@ -2404,7 +2574,7 @@
           <p:cNvPr id="4" name="Segnaposto data 3">
             <a:extLst>
               <a:ext uri="{FF2B5EF4-FFF2-40B4-BE49-F238E27FC236}">
-                <a16:creationId xmlns:a16="http://schemas.microsoft.com/office/drawing/2014/main" id="{D727D6BB-6A95-4696-A662-4A623DDCEEDB}"/>
+                <a16:creationId xmlns:a16="http://schemas.microsoft.com/office/drawing/2014/main" xmlns="" id="{D727D6BB-6A95-4696-A662-4A623DDCEEDB}"/>
               </a:ext>
             </a:extLst>
           </p:cNvPr>
@@ -2422,7 +2592,7 @@
           <a:p>
             <a:fld id="{F67947F7-BE61-4279-ACD1-4F02A733015D}" type="datetimeFigureOut">
               <a:rPr lang="it-IT" smtClean="0"/>
-              <a:t>15/09/2018</a:t>
+              <a:t>17/09/18</a:t>
             </a:fld>
             <a:endParaRPr lang="it-IT"/>
           </a:p>
@@ -2433,7 +2603,7 @@
           <p:cNvPr id="5" name="Segnaposto piè di pagina 4">
             <a:extLst>
               <a:ext uri="{FF2B5EF4-FFF2-40B4-BE49-F238E27FC236}">
-                <a16:creationId xmlns:a16="http://schemas.microsoft.com/office/drawing/2014/main" id="{A3BCB3F4-FD3B-4B52-BDBF-AA3C24954B92}"/>
+                <a16:creationId xmlns:a16="http://schemas.microsoft.com/office/drawing/2014/main" xmlns="" id="{A3BCB3F4-FD3B-4B52-BDBF-AA3C24954B92}"/>
               </a:ext>
             </a:extLst>
           </p:cNvPr>
@@ -2458,7 +2628,7 @@
           <p:cNvPr id="6" name="Segnaposto numero diapositiva 5">
             <a:extLst>
               <a:ext uri="{FF2B5EF4-FFF2-40B4-BE49-F238E27FC236}">
-                <a16:creationId xmlns:a16="http://schemas.microsoft.com/office/drawing/2014/main" id="{578AB991-A4F6-4985-A570-1CAD18E45DFE}"/>
+                <a16:creationId xmlns:a16="http://schemas.microsoft.com/office/drawing/2014/main" xmlns="" id="{578AB991-A4F6-4985-A570-1CAD18E45DFE}"/>
               </a:ext>
             </a:extLst>
           </p:cNvPr>
@@ -2476,7 +2646,7 @@
           <a:p>
             <a:fld id="{5D345246-873E-4AA2-A897-0FFE01134B56}" type="slidenum">
               <a:rPr lang="it-IT" smtClean="0"/>
-              <a:t>‹N›</a:t>
+              <a:t>‹n.›</a:t>
             </a:fld>
             <a:endParaRPr lang="it-IT"/>
           </a:p>
@@ -2517,7 +2687,7 @@
           <p:cNvPr id="2" name="Titolo 1">
             <a:extLst>
               <a:ext uri="{FF2B5EF4-FFF2-40B4-BE49-F238E27FC236}">
-                <a16:creationId xmlns:a16="http://schemas.microsoft.com/office/drawing/2014/main" id="{8B36CA8F-CBB2-4A4F-B3AC-F5C725B55515}"/>
+                <a16:creationId xmlns:a16="http://schemas.microsoft.com/office/drawing/2014/main" xmlns="" id="{8B36CA8F-CBB2-4A4F-B3AC-F5C725B55515}"/>
               </a:ext>
             </a:extLst>
           </p:cNvPr>
@@ -2545,7 +2715,7 @@
           <p:cNvPr id="3" name="Segnaposto contenuto 2">
             <a:extLst>
               <a:ext uri="{FF2B5EF4-FFF2-40B4-BE49-F238E27FC236}">
-                <a16:creationId xmlns:a16="http://schemas.microsoft.com/office/drawing/2014/main" id="{D49A0889-D1FE-472D-B0CB-6B04D3BC428F}"/>
+                <a16:creationId xmlns:a16="http://schemas.microsoft.com/office/drawing/2014/main" xmlns="" id="{D49A0889-D1FE-472D-B0CB-6B04D3BC428F}"/>
               </a:ext>
             </a:extLst>
           </p:cNvPr>
@@ -2607,7 +2777,7 @@
           <p:cNvPr id="4" name="Segnaposto contenuto 3">
             <a:extLst>
               <a:ext uri="{FF2B5EF4-FFF2-40B4-BE49-F238E27FC236}">
-                <a16:creationId xmlns:a16="http://schemas.microsoft.com/office/drawing/2014/main" id="{842B4C92-B3DA-4999-9585-7AD6EF1C3FA2}"/>
+                <a16:creationId xmlns:a16="http://schemas.microsoft.com/office/drawing/2014/main" xmlns="" id="{842B4C92-B3DA-4999-9585-7AD6EF1C3FA2}"/>
               </a:ext>
             </a:extLst>
           </p:cNvPr>
@@ -2669,7 +2839,7 @@
           <p:cNvPr id="5" name="Segnaposto data 4">
             <a:extLst>
               <a:ext uri="{FF2B5EF4-FFF2-40B4-BE49-F238E27FC236}">
-                <a16:creationId xmlns:a16="http://schemas.microsoft.com/office/drawing/2014/main" id="{9DE2BC0A-9D9D-467F-9495-876F2D3A42F3}"/>
+                <a16:creationId xmlns:a16="http://schemas.microsoft.com/office/drawing/2014/main" xmlns="" id="{9DE2BC0A-9D9D-467F-9495-876F2D3A42F3}"/>
               </a:ext>
             </a:extLst>
           </p:cNvPr>
@@ -2687,7 +2857,7 @@
           <a:p>
             <a:fld id="{F67947F7-BE61-4279-ACD1-4F02A733015D}" type="datetimeFigureOut">
               <a:rPr lang="it-IT" smtClean="0"/>
-              <a:t>15/09/2018</a:t>
+              <a:t>17/09/18</a:t>
             </a:fld>
             <a:endParaRPr lang="it-IT"/>
           </a:p>
@@ -2698,7 +2868,7 @@
           <p:cNvPr id="6" name="Segnaposto piè di pagina 5">
             <a:extLst>
               <a:ext uri="{FF2B5EF4-FFF2-40B4-BE49-F238E27FC236}">
-                <a16:creationId xmlns:a16="http://schemas.microsoft.com/office/drawing/2014/main" id="{841D4773-9820-46A8-AC13-67389324C2D6}"/>
+                <a16:creationId xmlns:a16="http://schemas.microsoft.com/office/drawing/2014/main" xmlns="" id="{841D4773-9820-46A8-AC13-67389324C2D6}"/>
               </a:ext>
             </a:extLst>
           </p:cNvPr>
@@ -2723,7 +2893,7 @@
           <p:cNvPr id="7" name="Segnaposto numero diapositiva 6">
             <a:extLst>
               <a:ext uri="{FF2B5EF4-FFF2-40B4-BE49-F238E27FC236}">
-                <a16:creationId xmlns:a16="http://schemas.microsoft.com/office/drawing/2014/main" id="{93E89A30-B35F-4EF8-9496-621227B6C3A6}"/>
+                <a16:creationId xmlns:a16="http://schemas.microsoft.com/office/drawing/2014/main" xmlns="" id="{93E89A30-B35F-4EF8-9496-621227B6C3A6}"/>
               </a:ext>
             </a:extLst>
           </p:cNvPr>
@@ -2741,7 +2911,7 @@
           <a:p>
             <a:fld id="{5D345246-873E-4AA2-A897-0FFE01134B56}" type="slidenum">
               <a:rPr lang="it-IT" smtClean="0"/>
-              <a:t>‹N›</a:t>
+              <a:t>‹n.›</a:t>
             </a:fld>
             <a:endParaRPr lang="it-IT"/>
           </a:p>
@@ -2782,7 +2952,7 @@
           <p:cNvPr id="2" name="Titolo 1">
             <a:extLst>
               <a:ext uri="{FF2B5EF4-FFF2-40B4-BE49-F238E27FC236}">
-                <a16:creationId xmlns:a16="http://schemas.microsoft.com/office/drawing/2014/main" id="{D11513B5-49FE-4DF8-AACD-6D9FB30F258C}"/>
+                <a16:creationId xmlns:a16="http://schemas.microsoft.com/office/drawing/2014/main" xmlns="" id="{D11513B5-49FE-4DF8-AACD-6D9FB30F258C}"/>
               </a:ext>
             </a:extLst>
           </p:cNvPr>
@@ -2815,7 +2985,7 @@
           <p:cNvPr id="3" name="Segnaposto testo 2">
             <a:extLst>
               <a:ext uri="{FF2B5EF4-FFF2-40B4-BE49-F238E27FC236}">
-                <a16:creationId xmlns:a16="http://schemas.microsoft.com/office/drawing/2014/main" id="{747C718B-E4F5-4AEE-B7A8-19C0FB5EA87F}"/>
+                <a16:creationId xmlns:a16="http://schemas.microsoft.com/office/drawing/2014/main" xmlns="" id="{747C718B-E4F5-4AEE-B7A8-19C0FB5EA87F}"/>
               </a:ext>
             </a:extLst>
           </p:cNvPr>
@@ -2886,7 +3056,7 @@
           <p:cNvPr id="4" name="Segnaposto contenuto 3">
             <a:extLst>
               <a:ext uri="{FF2B5EF4-FFF2-40B4-BE49-F238E27FC236}">
-                <a16:creationId xmlns:a16="http://schemas.microsoft.com/office/drawing/2014/main" id="{01DA2FDE-958A-4875-96FC-525F05A92186}"/>
+                <a16:creationId xmlns:a16="http://schemas.microsoft.com/office/drawing/2014/main" xmlns="" id="{01DA2FDE-958A-4875-96FC-525F05A92186}"/>
               </a:ext>
             </a:extLst>
           </p:cNvPr>
@@ -2948,7 +3118,7 @@
           <p:cNvPr id="5" name="Segnaposto testo 4">
             <a:extLst>
               <a:ext uri="{FF2B5EF4-FFF2-40B4-BE49-F238E27FC236}">
-                <a16:creationId xmlns:a16="http://schemas.microsoft.com/office/drawing/2014/main" id="{56268312-3D17-4A78-B014-F76A0B399627}"/>
+                <a16:creationId xmlns:a16="http://schemas.microsoft.com/office/drawing/2014/main" xmlns="" id="{56268312-3D17-4A78-B014-F76A0B399627}"/>
               </a:ext>
             </a:extLst>
           </p:cNvPr>
@@ -3019,7 +3189,7 @@
           <p:cNvPr id="6" name="Segnaposto contenuto 5">
             <a:extLst>
               <a:ext uri="{FF2B5EF4-FFF2-40B4-BE49-F238E27FC236}">
-                <a16:creationId xmlns:a16="http://schemas.microsoft.com/office/drawing/2014/main" id="{29086FBB-CCAB-4A84-9AF8-67D7B376ED74}"/>
+                <a16:creationId xmlns:a16="http://schemas.microsoft.com/office/drawing/2014/main" xmlns="" id="{29086FBB-CCAB-4A84-9AF8-67D7B376ED74}"/>
               </a:ext>
             </a:extLst>
           </p:cNvPr>
@@ -3081,7 +3251,7 @@
           <p:cNvPr id="7" name="Segnaposto data 6">
             <a:extLst>
               <a:ext uri="{FF2B5EF4-FFF2-40B4-BE49-F238E27FC236}">
-                <a16:creationId xmlns:a16="http://schemas.microsoft.com/office/drawing/2014/main" id="{5AA43294-320C-4ABF-97CE-E249ABC6C65C}"/>
+                <a16:creationId xmlns:a16="http://schemas.microsoft.com/office/drawing/2014/main" xmlns="" id="{5AA43294-320C-4ABF-97CE-E249ABC6C65C}"/>
               </a:ext>
             </a:extLst>
           </p:cNvPr>
@@ -3099,7 +3269,7 @@
           <a:p>
             <a:fld id="{F67947F7-BE61-4279-ACD1-4F02A733015D}" type="datetimeFigureOut">
               <a:rPr lang="it-IT" smtClean="0"/>
-              <a:t>15/09/2018</a:t>
+              <a:t>17/09/18</a:t>
             </a:fld>
             <a:endParaRPr lang="it-IT"/>
           </a:p>
@@ -3110,7 +3280,7 @@
           <p:cNvPr id="8" name="Segnaposto piè di pagina 7">
             <a:extLst>
               <a:ext uri="{FF2B5EF4-FFF2-40B4-BE49-F238E27FC236}">
-                <a16:creationId xmlns:a16="http://schemas.microsoft.com/office/drawing/2014/main" id="{C7A98B3B-A702-4C13-943F-9301B203593F}"/>
+                <a16:creationId xmlns:a16="http://schemas.microsoft.com/office/drawing/2014/main" xmlns="" id="{C7A98B3B-A702-4C13-943F-9301B203593F}"/>
               </a:ext>
             </a:extLst>
           </p:cNvPr>
@@ -3135,7 +3305,7 @@
           <p:cNvPr id="9" name="Segnaposto numero diapositiva 8">
             <a:extLst>
               <a:ext uri="{FF2B5EF4-FFF2-40B4-BE49-F238E27FC236}">
-                <a16:creationId xmlns:a16="http://schemas.microsoft.com/office/drawing/2014/main" id="{1DC77F96-3670-45B0-8811-86E4D019D7CB}"/>
+                <a16:creationId xmlns:a16="http://schemas.microsoft.com/office/drawing/2014/main" xmlns="" id="{1DC77F96-3670-45B0-8811-86E4D019D7CB}"/>
               </a:ext>
             </a:extLst>
           </p:cNvPr>
@@ -3153,7 +3323,7 @@
           <a:p>
             <a:fld id="{5D345246-873E-4AA2-A897-0FFE01134B56}" type="slidenum">
               <a:rPr lang="it-IT" smtClean="0"/>
-              <a:t>‹N›</a:t>
+              <a:t>‹n.›</a:t>
             </a:fld>
             <a:endParaRPr lang="it-IT"/>
           </a:p>
@@ -3194,7 +3364,7 @@
           <p:cNvPr id="2" name="Titolo 1">
             <a:extLst>
               <a:ext uri="{FF2B5EF4-FFF2-40B4-BE49-F238E27FC236}">
-                <a16:creationId xmlns:a16="http://schemas.microsoft.com/office/drawing/2014/main" id="{0E2AA8AE-B6FB-48A9-B525-EFA71D1FAA54}"/>
+                <a16:creationId xmlns:a16="http://schemas.microsoft.com/office/drawing/2014/main" xmlns="" id="{0E2AA8AE-B6FB-48A9-B525-EFA71D1FAA54}"/>
               </a:ext>
             </a:extLst>
           </p:cNvPr>
@@ -3222,7 +3392,7 @@
           <p:cNvPr id="3" name="Segnaposto data 2">
             <a:extLst>
               <a:ext uri="{FF2B5EF4-FFF2-40B4-BE49-F238E27FC236}">
-                <a16:creationId xmlns:a16="http://schemas.microsoft.com/office/drawing/2014/main" id="{7292FC81-1CF6-4B45-A66E-7C3CB3224617}"/>
+                <a16:creationId xmlns:a16="http://schemas.microsoft.com/office/drawing/2014/main" xmlns="" id="{7292FC81-1CF6-4B45-A66E-7C3CB3224617}"/>
               </a:ext>
             </a:extLst>
           </p:cNvPr>
@@ -3240,7 +3410,7 @@
           <a:p>
             <a:fld id="{F67947F7-BE61-4279-ACD1-4F02A733015D}" type="datetimeFigureOut">
               <a:rPr lang="it-IT" smtClean="0"/>
-              <a:t>15/09/2018</a:t>
+              <a:t>17/09/18</a:t>
             </a:fld>
             <a:endParaRPr lang="it-IT"/>
           </a:p>
@@ -3251,7 +3421,7 @@
           <p:cNvPr id="4" name="Segnaposto piè di pagina 3">
             <a:extLst>
               <a:ext uri="{FF2B5EF4-FFF2-40B4-BE49-F238E27FC236}">
-                <a16:creationId xmlns:a16="http://schemas.microsoft.com/office/drawing/2014/main" id="{DB2A3030-C44B-4C6F-A77F-939DE5AD3F5C}"/>
+                <a16:creationId xmlns:a16="http://schemas.microsoft.com/office/drawing/2014/main" xmlns="" id="{DB2A3030-C44B-4C6F-A77F-939DE5AD3F5C}"/>
               </a:ext>
             </a:extLst>
           </p:cNvPr>
@@ -3276,7 +3446,7 @@
           <p:cNvPr id="5" name="Segnaposto numero diapositiva 4">
             <a:extLst>
               <a:ext uri="{FF2B5EF4-FFF2-40B4-BE49-F238E27FC236}">
-                <a16:creationId xmlns:a16="http://schemas.microsoft.com/office/drawing/2014/main" id="{FDD1F8EC-40C9-4569-9EC4-9B4B7F33B787}"/>
+                <a16:creationId xmlns:a16="http://schemas.microsoft.com/office/drawing/2014/main" xmlns="" id="{FDD1F8EC-40C9-4569-9EC4-9B4B7F33B787}"/>
               </a:ext>
             </a:extLst>
           </p:cNvPr>
@@ -3294,7 +3464,7 @@
           <a:p>
             <a:fld id="{5D345246-873E-4AA2-A897-0FFE01134B56}" type="slidenum">
               <a:rPr lang="it-IT" smtClean="0"/>
-              <a:t>‹N›</a:t>
+              <a:t>‹n.›</a:t>
             </a:fld>
             <a:endParaRPr lang="it-IT"/>
           </a:p>
@@ -3335,7 +3505,7 @@
           <p:cNvPr id="2" name="Segnaposto data 1">
             <a:extLst>
               <a:ext uri="{FF2B5EF4-FFF2-40B4-BE49-F238E27FC236}">
-                <a16:creationId xmlns:a16="http://schemas.microsoft.com/office/drawing/2014/main" id="{E1FEFA63-6845-4714-AF7E-74266DB53898}"/>
+                <a16:creationId xmlns:a16="http://schemas.microsoft.com/office/drawing/2014/main" xmlns="" id="{E1FEFA63-6845-4714-AF7E-74266DB53898}"/>
               </a:ext>
             </a:extLst>
           </p:cNvPr>
@@ -3353,7 +3523,7 @@
           <a:p>
             <a:fld id="{F67947F7-BE61-4279-ACD1-4F02A733015D}" type="datetimeFigureOut">
               <a:rPr lang="it-IT" smtClean="0"/>
-              <a:t>15/09/2018</a:t>
+              <a:t>17/09/18</a:t>
             </a:fld>
             <a:endParaRPr lang="it-IT"/>
           </a:p>
@@ -3364,7 +3534,7 @@
           <p:cNvPr id="3" name="Segnaposto piè di pagina 2">
             <a:extLst>
               <a:ext uri="{FF2B5EF4-FFF2-40B4-BE49-F238E27FC236}">
-                <a16:creationId xmlns:a16="http://schemas.microsoft.com/office/drawing/2014/main" id="{BAD75A67-BD90-4AB2-9B26-0FE4B331E6AA}"/>
+                <a16:creationId xmlns:a16="http://schemas.microsoft.com/office/drawing/2014/main" xmlns="" id="{BAD75A67-BD90-4AB2-9B26-0FE4B331E6AA}"/>
               </a:ext>
             </a:extLst>
           </p:cNvPr>
@@ -3389,7 +3559,7 @@
           <p:cNvPr id="4" name="Segnaposto numero diapositiva 3">
             <a:extLst>
               <a:ext uri="{FF2B5EF4-FFF2-40B4-BE49-F238E27FC236}">
-                <a16:creationId xmlns:a16="http://schemas.microsoft.com/office/drawing/2014/main" id="{89419574-00FA-4BD1-ABE2-62EFED773F53}"/>
+                <a16:creationId xmlns:a16="http://schemas.microsoft.com/office/drawing/2014/main" xmlns="" id="{89419574-00FA-4BD1-ABE2-62EFED773F53}"/>
               </a:ext>
             </a:extLst>
           </p:cNvPr>
@@ -3407,7 +3577,7 @@
           <a:p>
             <a:fld id="{5D345246-873E-4AA2-A897-0FFE01134B56}" type="slidenum">
               <a:rPr lang="it-IT" smtClean="0"/>
-              <a:t>‹N›</a:t>
+              <a:t>‹n.›</a:t>
             </a:fld>
             <a:endParaRPr lang="it-IT"/>
           </a:p>
@@ -3448,7 +3618,7 @@
           <p:cNvPr id="2" name="Titolo 1">
             <a:extLst>
               <a:ext uri="{FF2B5EF4-FFF2-40B4-BE49-F238E27FC236}">
-                <a16:creationId xmlns:a16="http://schemas.microsoft.com/office/drawing/2014/main" id="{A01AD366-FC0F-4D12-9BEB-0DADB848BDA1}"/>
+                <a16:creationId xmlns:a16="http://schemas.microsoft.com/office/drawing/2014/main" xmlns="" id="{A01AD366-FC0F-4D12-9BEB-0DADB848BDA1}"/>
               </a:ext>
             </a:extLst>
           </p:cNvPr>
@@ -3485,7 +3655,7 @@
           <p:cNvPr id="3" name="Segnaposto contenuto 2">
             <a:extLst>
               <a:ext uri="{FF2B5EF4-FFF2-40B4-BE49-F238E27FC236}">
-                <a16:creationId xmlns:a16="http://schemas.microsoft.com/office/drawing/2014/main" id="{DB4C2663-ADC8-4D55-B6AD-6FFD1FBABB37}"/>
+                <a16:creationId xmlns:a16="http://schemas.microsoft.com/office/drawing/2014/main" xmlns="" id="{DB4C2663-ADC8-4D55-B6AD-6FFD1FBABB37}"/>
               </a:ext>
             </a:extLst>
           </p:cNvPr>
@@ -3575,7 +3745,7 @@
           <p:cNvPr id="4" name="Segnaposto testo 3">
             <a:extLst>
               <a:ext uri="{FF2B5EF4-FFF2-40B4-BE49-F238E27FC236}">
-                <a16:creationId xmlns:a16="http://schemas.microsoft.com/office/drawing/2014/main" id="{036BA35B-C31E-46D5-99F4-C0B9C608C5D3}"/>
+                <a16:creationId xmlns:a16="http://schemas.microsoft.com/office/drawing/2014/main" xmlns="" id="{036BA35B-C31E-46D5-99F4-C0B9C608C5D3}"/>
               </a:ext>
             </a:extLst>
           </p:cNvPr>
@@ -3646,7 +3816,7 @@
           <p:cNvPr id="5" name="Segnaposto data 4">
             <a:extLst>
               <a:ext uri="{FF2B5EF4-FFF2-40B4-BE49-F238E27FC236}">
-                <a16:creationId xmlns:a16="http://schemas.microsoft.com/office/drawing/2014/main" id="{6A1FA84E-51B9-4334-9183-D03E2362163B}"/>
+                <a16:creationId xmlns:a16="http://schemas.microsoft.com/office/drawing/2014/main" xmlns="" id="{6A1FA84E-51B9-4334-9183-D03E2362163B}"/>
               </a:ext>
             </a:extLst>
           </p:cNvPr>
@@ -3664,7 +3834,7 @@
           <a:p>
             <a:fld id="{F67947F7-BE61-4279-ACD1-4F02A733015D}" type="datetimeFigureOut">
               <a:rPr lang="it-IT" smtClean="0"/>
-              <a:t>15/09/2018</a:t>
+              <a:t>17/09/18</a:t>
             </a:fld>
             <a:endParaRPr lang="it-IT"/>
           </a:p>
@@ -3675,7 +3845,7 @@
           <p:cNvPr id="6" name="Segnaposto piè di pagina 5">
             <a:extLst>
               <a:ext uri="{FF2B5EF4-FFF2-40B4-BE49-F238E27FC236}">
-                <a16:creationId xmlns:a16="http://schemas.microsoft.com/office/drawing/2014/main" id="{DB18BD19-28A0-4419-B06C-3020CEECFEAD}"/>
+                <a16:creationId xmlns:a16="http://schemas.microsoft.com/office/drawing/2014/main" xmlns="" id="{DB18BD19-28A0-4419-B06C-3020CEECFEAD}"/>
               </a:ext>
             </a:extLst>
           </p:cNvPr>
@@ -3700,7 +3870,7 @@
           <p:cNvPr id="7" name="Segnaposto numero diapositiva 6">
             <a:extLst>
               <a:ext uri="{FF2B5EF4-FFF2-40B4-BE49-F238E27FC236}">
-                <a16:creationId xmlns:a16="http://schemas.microsoft.com/office/drawing/2014/main" id="{D332F072-8D4E-4E31-8EC4-50984DDDA680}"/>
+                <a16:creationId xmlns:a16="http://schemas.microsoft.com/office/drawing/2014/main" xmlns="" id="{D332F072-8D4E-4E31-8EC4-50984DDDA680}"/>
               </a:ext>
             </a:extLst>
           </p:cNvPr>
@@ -3718,7 +3888,7 @@
           <a:p>
             <a:fld id="{5D345246-873E-4AA2-A897-0FFE01134B56}" type="slidenum">
               <a:rPr lang="it-IT" smtClean="0"/>
-              <a:t>‹N›</a:t>
+              <a:t>‹n.›</a:t>
             </a:fld>
             <a:endParaRPr lang="it-IT"/>
           </a:p>
@@ -3759,7 +3929,7 @@
           <p:cNvPr id="2" name="Titolo 1">
             <a:extLst>
               <a:ext uri="{FF2B5EF4-FFF2-40B4-BE49-F238E27FC236}">
-                <a16:creationId xmlns:a16="http://schemas.microsoft.com/office/drawing/2014/main" id="{1EE183D0-EEB1-4A4B-A791-AF52F43FEF06}"/>
+                <a16:creationId xmlns:a16="http://schemas.microsoft.com/office/drawing/2014/main" xmlns="" id="{1EE183D0-EEB1-4A4B-A791-AF52F43FEF06}"/>
               </a:ext>
             </a:extLst>
           </p:cNvPr>
@@ -3796,7 +3966,7 @@
           <p:cNvPr id="3" name="Segnaposto immagine 2">
             <a:extLst>
               <a:ext uri="{FF2B5EF4-FFF2-40B4-BE49-F238E27FC236}">
-                <a16:creationId xmlns:a16="http://schemas.microsoft.com/office/drawing/2014/main" id="{0BE596C7-9AF3-4422-B796-F545679F2FB3}"/>
+                <a16:creationId xmlns:a16="http://schemas.microsoft.com/office/drawing/2014/main" xmlns="" id="{0BE596C7-9AF3-4422-B796-F545679F2FB3}"/>
               </a:ext>
             </a:extLst>
           </p:cNvPr>
@@ -3863,7 +4033,7 @@
           <p:cNvPr id="4" name="Segnaposto testo 3">
             <a:extLst>
               <a:ext uri="{FF2B5EF4-FFF2-40B4-BE49-F238E27FC236}">
-                <a16:creationId xmlns:a16="http://schemas.microsoft.com/office/drawing/2014/main" id="{02D671D4-C713-4306-97D5-39068F4AAAE6}"/>
+                <a16:creationId xmlns:a16="http://schemas.microsoft.com/office/drawing/2014/main" xmlns="" id="{02D671D4-C713-4306-97D5-39068F4AAAE6}"/>
               </a:ext>
             </a:extLst>
           </p:cNvPr>
@@ -3934,7 +4104,7 @@
           <p:cNvPr id="5" name="Segnaposto data 4">
             <a:extLst>
               <a:ext uri="{FF2B5EF4-FFF2-40B4-BE49-F238E27FC236}">
-                <a16:creationId xmlns:a16="http://schemas.microsoft.com/office/drawing/2014/main" id="{C7062470-A458-491D-987E-5365A5C1A9C1}"/>
+                <a16:creationId xmlns:a16="http://schemas.microsoft.com/office/drawing/2014/main" xmlns="" id="{C7062470-A458-491D-987E-5365A5C1A9C1}"/>
               </a:ext>
             </a:extLst>
           </p:cNvPr>
@@ -3952,7 +4122,7 @@
           <a:p>
             <a:fld id="{F67947F7-BE61-4279-ACD1-4F02A733015D}" type="datetimeFigureOut">
               <a:rPr lang="it-IT" smtClean="0"/>
-              <a:t>15/09/2018</a:t>
+              <a:t>17/09/18</a:t>
             </a:fld>
             <a:endParaRPr lang="it-IT"/>
           </a:p>
@@ -3963,7 +4133,7 @@
           <p:cNvPr id="6" name="Segnaposto piè di pagina 5">
             <a:extLst>
               <a:ext uri="{FF2B5EF4-FFF2-40B4-BE49-F238E27FC236}">
-                <a16:creationId xmlns:a16="http://schemas.microsoft.com/office/drawing/2014/main" id="{935BD463-8B0E-450F-BFB8-C4734C19CCD0}"/>
+                <a16:creationId xmlns:a16="http://schemas.microsoft.com/office/drawing/2014/main" xmlns="" id="{935BD463-8B0E-450F-BFB8-C4734C19CCD0}"/>
               </a:ext>
             </a:extLst>
           </p:cNvPr>
@@ -3988,7 +4158,7 @@
           <p:cNvPr id="7" name="Segnaposto numero diapositiva 6">
             <a:extLst>
               <a:ext uri="{FF2B5EF4-FFF2-40B4-BE49-F238E27FC236}">
-                <a16:creationId xmlns:a16="http://schemas.microsoft.com/office/drawing/2014/main" id="{9155BDD4-C627-4A82-9C9E-8218EA2AA026}"/>
+                <a16:creationId xmlns:a16="http://schemas.microsoft.com/office/drawing/2014/main" xmlns="" id="{9155BDD4-C627-4A82-9C9E-8218EA2AA026}"/>
               </a:ext>
             </a:extLst>
           </p:cNvPr>
@@ -4006,7 +4176,7 @@
           <a:p>
             <a:fld id="{5D345246-873E-4AA2-A897-0FFE01134B56}" type="slidenum">
               <a:rPr lang="it-IT" smtClean="0"/>
-              <a:t>‹N›</a:t>
+              <a:t>‹n.›</a:t>
             </a:fld>
             <a:endParaRPr lang="it-IT"/>
           </a:p>
@@ -4052,7 +4222,7 @@
           <p:cNvPr id="2" name="Segnaposto titolo 1">
             <a:extLst>
               <a:ext uri="{FF2B5EF4-FFF2-40B4-BE49-F238E27FC236}">
-                <a16:creationId xmlns:a16="http://schemas.microsoft.com/office/drawing/2014/main" id="{EF5F5C20-1677-42A0-BE70-EEF278015B99}"/>
+                <a16:creationId xmlns:a16="http://schemas.microsoft.com/office/drawing/2014/main" xmlns="" id="{EF5F5C20-1677-42A0-BE70-EEF278015B99}"/>
               </a:ext>
             </a:extLst>
           </p:cNvPr>
@@ -4090,7 +4260,7 @@
           <p:cNvPr id="3" name="Segnaposto testo 2">
             <a:extLst>
               <a:ext uri="{FF2B5EF4-FFF2-40B4-BE49-F238E27FC236}">
-                <a16:creationId xmlns:a16="http://schemas.microsoft.com/office/drawing/2014/main" id="{D70C08B2-F66C-4FC5-AF7B-B8694120CD09}"/>
+                <a16:creationId xmlns:a16="http://schemas.microsoft.com/office/drawing/2014/main" xmlns="" id="{D70C08B2-F66C-4FC5-AF7B-B8694120CD09}"/>
               </a:ext>
             </a:extLst>
           </p:cNvPr>
@@ -4157,7 +4327,7 @@
           <p:cNvPr id="4" name="Segnaposto data 3">
             <a:extLst>
               <a:ext uri="{FF2B5EF4-FFF2-40B4-BE49-F238E27FC236}">
-                <a16:creationId xmlns:a16="http://schemas.microsoft.com/office/drawing/2014/main" id="{6C66D746-794A-4E68-BD2D-E950431BBA03}"/>
+                <a16:creationId xmlns:a16="http://schemas.microsoft.com/office/drawing/2014/main" xmlns="" id="{6C66D746-794A-4E68-BD2D-E950431BBA03}"/>
               </a:ext>
             </a:extLst>
           </p:cNvPr>
@@ -4193,7 +4363,7 @@
           <a:p>
             <a:fld id="{F67947F7-BE61-4279-ACD1-4F02A733015D}" type="datetimeFigureOut">
               <a:rPr lang="it-IT" smtClean="0"/>
-              <a:t>15/09/2018</a:t>
+              <a:t>17/09/18</a:t>
             </a:fld>
             <a:endParaRPr lang="it-IT"/>
           </a:p>
@@ -4204,7 +4374,7 @@
           <p:cNvPr id="5" name="Segnaposto piè di pagina 4">
             <a:extLst>
               <a:ext uri="{FF2B5EF4-FFF2-40B4-BE49-F238E27FC236}">
-                <a16:creationId xmlns:a16="http://schemas.microsoft.com/office/drawing/2014/main" id="{22276193-43D5-46F8-9EDE-326EF3BD5141}"/>
+                <a16:creationId xmlns:a16="http://schemas.microsoft.com/office/drawing/2014/main" xmlns="" id="{22276193-43D5-46F8-9EDE-326EF3BD5141}"/>
               </a:ext>
             </a:extLst>
           </p:cNvPr>
@@ -4247,7 +4417,7 @@
           <p:cNvPr id="6" name="Segnaposto numero diapositiva 5">
             <a:extLst>
               <a:ext uri="{FF2B5EF4-FFF2-40B4-BE49-F238E27FC236}">
-                <a16:creationId xmlns:a16="http://schemas.microsoft.com/office/drawing/2014/main" id="{3F8F2EA8-E797-4E6E-8817-38B887797131}"/>
+                <a16:creationId xmlns:a16="http://schemas.microsoft.com/office/drawing/2014/main" xmlns="" id="{3F8F2EA8-E797-4E6E-8817-38B887797131}"/>
               </a:ext>
             </a:extLst>
           </p:cNvPr>
@@ -4283,7 +4453,7 @@
           <a:p>
             <a:fld id="{5D345246-873E-4AA2-A897-0FFE01134B56}" type="slidenum">
               <a:rPr lang="it-IT" smtClean="0"/>
-              <a:t>‹N›</a:t>
+              <a:t>‹n.›</a:t>
             </a:fld>
             <a:endParaRPr lang="it-IT"/>
           </a:p>
@@ -5990,7 +6160,7 @@
           <p:cNvPr id="23" name="Rettangolo 22">
             <a:extLst>
               <a:ext uri="{FF2B5EF4-FFF2-40B4-BE49-F238E27FC236}">
-                <a16:creationId xmlns:a16="http://schemas.microsoft.com/office/drawing/2014/main" id="{5D36CDF1-7660-4A1C-83BA-C0597035B660}"/>
+                <a16:creationId xmlns:a16="http://schemas.microsoft.com/office/drawing/2014/main" xmlns="" id="{5D36CDF1-7660-4A1C-83BA-C0597035B660}"/>
               </a:ext>
             </a:extLst>
           </p:cNvPr>
@@ -6024,7 +6194,7 @@
           <p:cNvPr id="24" name="Rettangolo 23">
             <a:extLst>
               <a:ext uri="{FF2B5EF4-FFF2-40B4-BE49-F238E27FC236}">
-                <a16:creationId xmlns:a16="http://schemas.microsoft.com/office/drawing/2014/main" id="{B98F10FB-79B1-4409-B47F-8EC5F40C0EF2}"/>
+                <a16:creationId xmlns:a16="http://schemas.microsoft.com/office/drawing/2014/main" xmlns="" id="{B98F10FB-79B1-4409-B47F-8EC5F40C0EF2}"/>
               </a:ext>
             </a:extLst>
           </p:cNvPr>
@@ -6060,7 +6230,7 @@
           <p:cNvPr id="2" name="Rettangolo 1">
             <a:extLst>
               <a:ext uri="{FF2B5EF4-FFF2-40B4-BE49-F238E27FC236}">
-                <a16:creationId xmlns:a16="http://schemas.microsoft.com/office/drawing/2014/main" id="{B95254E7-DDF2-4603-97C0-EB78506699A3}"/>
+                <a16:creationId xmlns:a16="http://schemas.microsoft.com/office/drawing/2014/main" xmlns="" id="{B95254E7-DDF2-4603-97C0-EB78506699A3}"/>
               </a:ext>
             </a:extLst>
           </p:cNvPr>
@@ -6113,6 +6283,13 @@
   <p:clrMapOvr>
     <a:masterClrMapping/>
   </p:clrMapOvr>
+  <p:timing>
+    <p:tnLst>
+      <p:par>
+        <p:cTn xmlns:p14="http://schemas.microsoft.com/office/powerpoint/2010/main" id="1" dur="indefinite" restart="never" nodeType="tmRoot"/>
+      </p:par>
+    </p:tnLst>
+  </p:timing>
 </p:sld>
 </file>
 
@@ -7142,7 +7319,7 @@
           <p:cNvPr id="26" name="Rettangolo 25">
             <a:extLst>
               <a:ext uri="{FF2B5EF4-FFF2-40B4-BE49-F238E27FC236}">
-                <a16:creationId xmlns:a16="http://schemas.microsoft.com/office/drawing/2014/main" id="{801AFBDF-755A-4042-8FEA-C7FEF77FB21C}"/>
+                <a16:creationId xmlns:a16="http://schemas.microsoft.com/office/drawing/2014/main" xmlns="" id="{801AFBDF-755A-4042-8FEA-C7FEF77FB21C}"/>
               </a:ext>
             </a:extLst>
           </p:cNvPr>
@@ -7152,7 +7329,7 @@
         <p:spPr>
           <a:xfrm>
             <a:off x="539868" y="99680"/>
-            <a:ext cx="4777270" cy="646331"/>
+            <a:ext cx="6459070" cy="646331"/>
           </a:xfrm>
           <a:prstGeom prst="rect">
             <a:avLst/>
@@ -7165,9 +7342,194 @@
           <a:lstStyle/>
           <a:p>
             <a:r>
-              <a:rPr lang="it-IT" sz="3600" b="1" dirty="0"/>
-              <a:t>Architettura del sistema</a:t>
-            </a:r>
+              <a:rPr lang="it-IT" sz="3600" b="1" dirty="0" smtClean="0"/>
+              <a:t>Gestione persistenza del sistema</a:t>
+            </a:r>
+            <a:endParaRPr lang="it-IT" sz="3600" b="1" dirty="0"/>
+          </a:p>
+        </p:txBody>
+      </p:sp>
+      <p:sp>
+        <p:nvSpPr>
+          <p:cNvPr id="5" name="CasellaDiTesto 4"/>
+          <p:cNvSpPr txBox="1"/>
+          <p:nvPr/>
+        </p:nvSpPr>
+        <p:spPr>
+          <a:xfrm>
+            <a:off x="-5212987" y="649242"/>
+            <a:ext cx="184666" cy="369332"/>
+          </a:xfrm>
+          <a:prstGeom prst="rect">
+            <a:avLst/>
+          </a:prstGeom>
+          <a:ln/>
+        </p:spPr>
+        <p:style>
+          <a:lnRef idx="2">
+            <a:schemeClr val="accent6"/>
+          </a:lnRef>
+          <a:fillRef idx="1">
+            <a:schemeClr val="lt1"/>
+          </a:fillRef>
+          <a:effectRef idx="0">
+            <a:schemeClr val="accent6"/>
+          </a:effectRef>
+          <a:fontRef idx="minor">
+            <a:schemeClr val="dk1"/>
+          </a:fontRef>
+        </p:style>
+        <p:txBody>
+          <a:bodyPr wrap="none" rtlCol="0">
+            <a:spAutoFit/>
+          </a:bodyPr>
+          <a:lstStyle/>
+          <a:p>
+            <a:endParaRPr lang="it-IT" dirty="0" smtClean="0">
+              <a:ln>
+                <a:solidFill>
+                  <a:srgbClr val="000000"/>
+                </a:solidFill>
+              </a:ln>
+              <a:solidFill>
+                <a:srgbClr val="000000"/>
+              </a:solidFill>
+              <a:latin typeface="Calibri"/>
+            </a:endParaRPr>
+          </a:p>
+        </p:txBody>
+      </p:sp>
+      <p:sp>
+        <p:nvSpPr>
+          <p:cNvPr id="24" name="CasellaDiTesto 23"/>
+          <p:cNvSpPr txBox="1"/>
+          <p:nvPr/>
+        </p:nvSpPr>
+        <p:spPr>
+          <a:xfrm>
+            <a:off x="599751" y="834836"/>
+            <a:ext cx="11569506" cy="1477328"/>
+          </a:xfrm>
+          <a:prstGeom prst="rect">
+            <a:avLst/>
+          </a:prstGeom>
+          <a:noFill/>
+        </p:spPr>
+        <p:txBody>
+          <a:bodyPr wrap="none" rtlCol="0">
+            <a:spAutoFit/>
+          </a:bodyPr>
+          <a:lstStyle/>
+          <a:p>
+            <a:r>
+              <a:rPr lang="it-IT" dirty="0">
+                <a:ln>
+                  <a:solidFill>
+                    <a:srgbClr val="000000"/>
+                  </a:solidFill>
+                </a:ln>
+                <a:solidFill>
+                  <a:srgbClr val="000000"/>
+                </a:solidFill>
+              </a:rPr>
+              <a:t>Per gestire la persistenza del nostro sistema, ci siamo riferiti al pattern DAO ( Data Access Object ) che ci consente una</a:t>
+            </a:r>
+          </a:p>
+          <a:p>
+            <a:r>
+              <a:rPr lang="it-IT" dirty="0">
+                <a:ln>
+                  <a:solidFill>
+                    <a:srgbClr val="000000"/>
+                  </a:solidFill>
+                </a:ln>
+                <a:solidFill>
+                  <a:srgbClr val="000000"/>
+                </a:solidFill>
+              </a:rPr>
+              <a:t>certa flessibilità nel caricamento e salvataggio dei dati di elaborazione. </a:t>
+            </a:r>
+          </a:p>
+          <a:p>
+            <a:r>
+              <a:rPr lang="it-IT" dirty="0">
+                <a:ln>
+                  <a:solidFill>
+                    <a:srgbClr val="000000"/>
+                  </a:solidFill>
+                </a:ln>
+                <a:solidFill>
+                  <a:srgbClr val="000000"/>
+                </a:solidFill>
+              </a:rPr>
+              <a:t>Per memorizzare i nostri dati abbiamo scelto di utilizzare un </a:t>
+            </a:r>
+            <a:r>
+              <a:rPr lang="it-IT" dirty="0" smtClean="0">
+                <a:ln>
+                  <a:solidFill>
+                    <a:srgbClr val="000000"/>
+                  </a:solidFill>
+                </a:ln>
+                <a:solidFill>
+                  <a:srgbClr val="000000"/>
+                </a:solidFill>
+              </a:rPr>
+              <a:t>database relazionale </a:t>
+            </a:r>
+            <a:r>
+              <a:rPr lang="it-IT" dirty="0" err="1" smtClean="0">
+                <a:ln>
+                  <a:solidFill>
+                    <a:srgbClr val="000000"/>
+                  </a:solidFill>
+                </a:ln>
+                <a:solidFill>
+                  <a:srgbClr val="000000"/>
+                </a:solidFill>
+              </a:rPr>
+              <a:t>MySql</a:t>
+            </a:r>
+            <a:r>
+              <a:rPr lang="it-IT" dirty="0" smtClean="0">
+                <a:ln>
+                  <a:solidFill>
+                    <a:srgbClr val="000000"/>
+                  </a:solidFill>
+                </a:ln>
+                <a:solidFill>
+                  <a:srgbClr val="000000"/>
+                </a:solidFill>
+              </a:rPr>
+              <a:t>. Gli oggetti d’accesso al database </a:t>
+            </a:r>
+          </a:p>
+          <a:p>
+            <a:r>
+              <a:rPr lang="it-IT" dirty="0" smtClean="0">
+                <a:ln>
+                  <a:solidFill>
+                    <a:srgbClr val="000000"/>
+                  </a:solidFill>
+                </a:ln>
+                <a:solidFill>
+                  <a:srgbClr val="000000"/>
+                </a:solidFill>
+              </a:rPr>
+              <a:t>che abbiamo implementato sono rappresentati nel diagramma UML che segue.</a:t>
+            </a:r>
+          </a:p>
+          <a:p>
+            <a:endParaRPr lang="it-IT" dirty="0" smtClean="0">
+              <a:ln>
+                <a:solidFill>
+                  <a:srgbClr val="000000"/>
+                </a:solidFill>
+              </a:ln>
+              <a:solidFill>
+                <a:srgbClr val="000000"/>
+              </a:solidFill>
+            </a:endParaRPr>
           </a:p>
         </p:txBody>
       </p:sp>
@@ -7181,6 +7543,2342 @@
   <p:clrMapOvr>
     <a:masterClrMapping/>
   </p:clrMapOvr>
+  <p:timing>
+    <p:tnLst>
+      <p:par>
+        <p:cTn xmlns:p14="http://schemas.microsoft.com/office/powerpoint/2010/main" id="1" dur="indefinite" restart="never" nodeType="tmRoot"/>
+      </p:par>
+    </p:tnLst>
+  </p:timing>
+</p:sld>
+</file>
+
+<file path=ppt/slides/slide12.xml><?xml version="1.0" encoding="utf-8"?>
+<p:sld xmlns:a="http://schemas.openxmlformats.org/drawingml/2006/main" xmlns:r="http://schemas.openxmlformats.org/officeDocument/2006/relationships" xmlns:p="http://schemas.openxmlformats.org/presentationml/2006/main">
+  <p:cSld>
+    <p:spTree>
+      <p:nvGrpSpPr>
+        <p:cNvPr id="1" name=""/>
+        <p:cNvGrpSpPr/>
+        <p:nvPr/>
+      </p:nvGrpSpPr>
+      <p:grpSpPr>
+        <a:xfrm>
+          <a:off x="0" y="0"/>
+          <a:ext cx="0" cy="0"/>
+          <a:chOff x="0" y="0"/>
+          <a:chExt cx="0" cy="0"/>
+        </a:xfrm>
+      </p:grpSpPr>
+      <p:pic>
+        <p:nvPicPr>
+          <p:cNvPr id="24" name="Immagine 23"/>
+          <p:cNvPicPr>
+            <a:picLocks noChangeAspect="1"/>
+          </p:cNvPicPr>
+          <p:nvPr/>
+        </p:nvPicPr>
+        <p:blipFill>
+          <a:blip r:embed="rId3"/>
+          <a:stretch>
+            <a:fillRect/>
+          </a:stretch>
+        </p:blipFill>
+        <p:spPr>
+          <a:xfrm>
+            <a:off x="1716176" y="686514"/>
+            <a:ext cx="9160360" cy="5233247"/>
+          </a:xfrm>
+          <a:prstGeom prst="rect">
+            <a:avLst/>
+          </a:prstGeom>
+        </p:spPr>
+      </p:pic>
+      <p:pic>
+        <p:nvPicPr>
+          <p:cNvPr id="4" name="Immagine 3"/>
+          <p:cNvPicPr>
+            <a:picLocks noChangeAspect="1"/>
+          </p:cNvPicPr>
+          <p:nvPr/>
+        </p:nvPicPr>
+        <p:blipFill>
+          <a:blip r:embed="rId4" cstate="hqprint">
+            <a:extLst>
+              <a:ext uri="{28A0092B-C50C-407E-A947-70E740481C1C}">
+                <a14:useLocalDpi xmlns:a14="http://schemas.microsoft.com/office/drawing/2010/main" val="0"/>
+              </a:ext>
+            </a:extLst>
+          </a:blip>
+          <a:stretch>
+            <a:fillRect/>
+          </a:stretch>
+        </p:blipFill>
+        <p:spPr>
+          <a:xfrm>
+            <a:off x="10221494" y="5477077"/>
+            <a:ext cx="1127485" cy="1652928"/>
+          </a:xfrm>
+          <a:prstGeom prst="rect">
+            <a:avLst/>
+          </a:prstGeom>
+        </p:spPr>
+      </p:pic>
+      <p:sp>
+        <p:nvSpPr>
+          <p:cNvPr id="7" name="CasellaDiTesto 6"/>
+          <p:cNvSpPr txBox="1"/>
+          <p:nvPr/>
+        </p:nvSpPr>
+        <p:spPr>
+          <a:xfrm>
+            <a:off x="958002" y="6040157"/>
+            <a:ext cx="1918089" cy="656526"/>
+          </a:xfrm>
+          <a:prstGeom prst="rect">
+            <a:avLst/>
+          </a:prstGeom>
+          <a:noFill/>
+        </p:spPr>
+        <p:txBody>
+          <a:bodyPr wrap="none" rtlCol="0">
+            <a:spAutoFit/>
+          </a:bodyPr>
+          <a:lstStyle/>
+          <a:p>
+            <a:r>
+              <a:rPr lang="it-IT" sz="1400" dirty="0"/>
+              <a:t>Ingegneria del Software</a:t>
+            </a:r>
+          </a:p>
+          <a:p>
+            <a:pPr>
+              <a:lnSpc>
+                <a:spcPts val="1600"/>
+              </a:lnSpc>
+            </a:pPr>
+            <a:endParaRPr lang="it-IT" sz="1400" dirty="0"/>
+          </a:p>
+          <a:p>
+            <a:pPr>
+              <a:lnSpc>
+                <a:spcPts val="1000"/>
+              </a:lnSpc>
+            </a:pPr>
+            <a:r>
+              <a:rPr lang="it-IT" sz="1400" dirty="0"/>
+              <a:t>A.A. 2017-18</a:t>
+            </a:r>
+          </a:p>
+        </p:txBody>
+      </p:sp>
+      <p:sp>
+        <p:nvSpPr>
+          <p:cNvPr id="8" name="Ovale 7"/>
+          <p:cNvSpPr/>
+          <p:nvPr/>
+        </p:nvSpPr>
+        <p:spPr>
+          <a:xfrm>
+            <a:off x="1045271" y="5745001"/>
+            <a:ext cx="127323" cy="127323"/>
+          </a:xfrm>
+          <a:prstGeom prst="ellipse">
+            <a:avLst/>
+          </a:prstGeom>
+          <a:solidFill>
+            <a:srgbClr val="CDAE13"/>
+          </a:solidFill>
+          <a:ln>
+            <a:noFill/>
+          </a:ln>
+        </p:spPr>
+        <p:style>
+          <a:lnRef idx="2">
+            <a:schemeClr val="accent1">
+              <a:shade val="50000"/>
+            </a:schemeClr>
+          </a:lnRef>
+          <a:fillRef idx="1">
+            <a:schemeClr val="accent1"/>
+          </a:fillRef>
+          <a:effectRef idx="0">
+            <a:schemeClr val="accent1"/>
+          </a:effectRef>
+          <a:fontRef idx="minor">
+            <a:schemeClr val="lt1"/>
+          </a:fontRef>
+        </p:style>
+        <p:txBody>
+          <a:bodyPr rtlCol="0" anchor="ctr"/>
+          <a:lstStyle/>
+          <a:p>
+            <a:pPr algn="ctr"/>
+            <a:endParaRPr lang="it-IT"/>
+          </a:p>
+        </p:txBody>
+      </p:sp>
+      <p:sp>
+        <p:nvSpPr>
+          <p:cNvPr id="9" name="Ovale 8"/>
+          <p:cNvSpPr/>
+          <p:nvPr/>
+        </p:nvSpPr>
+        <p:spPr>
+          <a:xfrm>
+            <a:off x="1538745" y="5745001"/>
+            <a:ext cx="127323" cy="127323"/>
+          </a:xfrm>
+          <a:prstGeom prst="ellipse">
+            <a:avLst/>
+          </a:prstGeom>
+          <a:solidFill>
+            <a:srgbClr val="CDAE13">
+              <a:alpha val="20000"/>
+            </a:srgbClr>
+          </a:solidFill>
+          <a:ln>
+            <a:noFill/>
+          </a:ln>
+        </p:spPr>
+        <p:style>
+          <a:lnRef idx="2">
+            <a:schemeClr val="accent1">
+              <a:shade val="50000"/>
+            </a:schemeClr>
+          </a:lnRef>
+          <a:fillRef idx="1">
+            <a:schemeClr val="accent1"/>
+          </a:fillRef>
+          <a:effectRef idx="0">
+            <a:schemeClr val="accent1"/>
+          </a:effectRef>
+          <a:fontRef idx="minor">
+            <a:schemeClr val="lt1"/>
+          </a:fontRef>
+        </p:style>
+        <p:txBody>
+          <a:bodyPr rtlCol="0" anchor="ctr"/>
+          <a:lstStyle/>
+          <a:p>
+            <a:pPr algn="ctr"/>
+            <a:endParaRPr lang="it-IT">
+              <a:solidFill>
+                <a:schemeClr val="accent1">
+                  <a:lumMod val="40000"/>
+                  <a:lumOff val="60000"/>
+                </a:schemeClr>
+              </a:solidFill>
+            </a:endParaRPr>
+          </a:p>
+        </p:txBody>
+      </p:sp>
+      <p:sp>
+        <p:nvSpPr>
+          <p:cNvPr id="10" name="Ovale 9"/>
+          <p:cNvSpPr/>
+          <p:nvPr/>
+        </p:nvSpPr>
+        <p:spPr>
+          <a:xfrm>
+            <a:off x="2032219" y="5745001"/>
+            <a:ext cx="127323" cy="127323"/>
+          </a:xfrm>
+          <a:prstGeom prst="ellipse">
+            <a:avLst/>
+          </a:prstGeom>
+          <a:solidFill>
+            <a:srgbClr val="CDAE13">
+              <a:alpha val="20000"/>
+            </a:srgbClr>
+          </a:solidFill>
+          <a:ln>
+            <a:noFill/>
+          </a:ln>
+        </p:spPr>
+        <p:style>
+          <a:lnRef idx="2">
+            <a:schemeClr val="accent1">
+              <a:shade val="50000"/>
+            </a:schemeClr>
+          </a:lnRef>
+          <a:fillRef idx="1">
+            <a:schemeClr val="accent1"/>
+          </a:fillRef>
+          <a:effectRef idx="0">
+            <a:schemeClr val="accent1"/>
+          </a:effectRef>
+          <a:fontRef idx="minor">
+            <a:schemeClr val="lt1"/>
+          </a:fontRef>
+        </p:style>
+        <p:txBody>
+          <a:bodyPr rtlCol="0" anchor="ctr"/>
+          <a:lstStyle/>
+          <a:p>
+            <a:pPr algn="ctr"/>
+            <a:endParaRPr lang="it-IT">
+              <a:solidFill>
+                <a:schemeClr val="accent1">
+                  <a:lumMod val="40000"/>
+                  <a:lumOff val="60000"/>
+                </a:schemeClr>
+              </a:solidFill>
+            </a:endParaRPr>
+          </a:p>
+        </p:txBody>
+      </p:sp>
+      <p:sp>
+        <p:nvSpPr>
+          <p:cNvPr id="11" name="Ovale 10"/>
+          <p:cNvSpPr/>
+          <p:nvPr/>
+        </p:nvSpPr>
+        <p:spPr>
+          <a:xfrm>
+            <a:off x="2525693" y="5745001"/>
+            <a:ext cx="127323" cy="127323"/>
+          </a:xfrm>
+          <a:prstGeom prst="ellipse">
+            <a:avLst/>
+          </a:prstGeom>
+          <a:solidFill>
+            <a:srgbClr val="CDAE13">
+              <a:alpha val="20000"/>
+            </a:srgbClr>
+          </a:solidFill>
+          <a:ln>
+            <a:noFill/>
+          </a:ln>
+        </p:spPr>
+        <p:style>
+          <a:lnRef idx="2">
+            <a:schemeClr val="accent1">
+              <a:shade val="50000"/>
+            </a:schemeClr>
+          </a:lnRef>
+          <a:fillRef idx="1">
+            <a:schemeClr val="accent1"/>
+          </a:fillRef>
+          <a:effectRef idx="0">
+            <a:schemeClr val="accent1"/>
+          </a:effectRef>
+          <a:fontRef idx="minor">
+            <a:schemeClr val="lt1"/>
+          </a:fontRef>
+        </p:style>
+        <p:txBody>
+          <a:bodyPr rtlCol="0" anchor="ctr"/>
+          <a:lstStyle/>
+          <a:p>
+            <a:pPr algn="ctr"/>
+            <a:endParaRPr lang="it-IT">
+              <a:solidFill>
+                <a:schemeClr val="accent1">
+                  <a:lumMod val="40000"/>
+                  <a:lumOff val="60000"/>
+                </a:schemeClr>
+              </a:solidFill>
+            </a:endParaRPr>
+          </a:p>
+        </p:txBody>
+      </p:sp>
+      <p:sp>
+        <p:nvSpPr>
+          <p:cNvPr id="12" name="Ovale 11"/>
+          <p:cNvSpPr/>
+          <p:nvPr/>
+        </p:nvSpPr>
+        <p:spPr>
+          <a:xfrm>
+            <a:off x="3019167" y="5745001"/>
+            <a:ext cx="127323" cy="127323"/>
+          </a:xfrm>
+          <a:prstGeom prst="ellipse">
+            <a:avLst/>
+          </a:prstGeom>
+          <a:solidFill>
+            <a:srgbClr val="CDAE13">
+              <a:alpha val="20000"/>
+            </a:srgbClr>
+          </a:solidFill>
+          <a:ln>
+            <a:noFill/>
+          </a:ln>
+        </p:spPr>
+        <p:style>
+          <a:lnRef idx="2">
+            <a:schemeClr val="accent1">
+              <a:shade val="50000"/>
+            </a:schemeClr>
+          </a:lnRef>
+          <a:fillRef idx="1">
+            <a:schemeClr val="accent1"/>
+          </a:fillRef>
+          <a:effectRef idx="0">
+            <a:schemeClr val="accent1"/>
+          </a:effectRef>
+          <a:fontRef idx="minor">
+            <a:schemeClr val="lt1"/>
+          </a:fontRef>
+        </p:style>
+        <p:txBody>
+          <a:bodyPr rtlCol="0" anchor="ctr"/>
+          <a:lstStyle/>
+          <a:p>
+            <a:pPr algn="ctr"/>
+            <a:endParaRPr lang="it-IT">
+              <a:solidFill>
+                <a:schemeClr val="accent1">
+                  <a:lumMod val="40000"/>
+                  <a:lumOff val="60000"/>
+                </a:schemeClr>
+              </a:solidFill>
+            </a:endParaRPr>
+          </a:p>
+        </p:txBody>
+      </p:sp>
+      <p:sp>
+        <p:nvSpPr>
+          <p:cNvPr id="13" name="Ovale 12"/>
+          <p:cNvSpPr/>
+          <p:nvPr/>
+        </p:nvSpPr>
+        <p:spPr>
+          <a:xfrm>
+            <a:off x="3512641" y="5745001"/>
+            <a:ext cx="127323" cy="127323"/>
+          </a:xfrm>
+          <a:prstGeom prst="ellipse">
+            <a:avLst/>
+          </a:prstGeom>
+          <a:solidFill>
+            <a:srgbClr val="CDAE13">
+              <a:alpha val="20000"/>
+            </a:srgbClr>
+          </a:solidFill>
+          <a:ln>
+            <a:noFill/>
+          </a:ln>
+        </p:spPr>
+        <p:style>
+          <a:lnRef idx="2">
+            <a:schemeClr val="accent1">
+              <a:shade val="50000"/>
+            </a:schemeClr>
+          </a:lnRef>
+          <a:fillRef idx="1">
+            <a:schemeClr val="accent1"/>
+          </a:fillRef>
+          <a:effectRef idx="0">
+            <a:schemeClr val="accent1"/>
+          </a:effectRef>
+          <a:fontRef idx="minor">
+            <a:schemeClr val="lt1"/>
+          </a:fontRef>
+        </p:style>
+        <p:txBody>
+          <a:bodyPr rtlCol="0" anchor="ctr"/>
+          <a:lstStyle/>
+          <a:p>
+            <a:pPr algn="ctr"/>
+            <a:endParaRPr lang="it-IT">
+              <a:solidFill>
+                <a:schemeClr val="accent1">
+                  <a:lumMod val="40000"/>
+                  <a:lumOff val="60000"/>
+                </a:schemeClr>
+              </a:solidFill>
+            </a:endParaRPr>
+          </a:p>
+        </p:txBody>
+      </p:sp>
+      <p:sp>
+        <p:nvSpPr>
+          <p:cNvPr id="14" name="Ovale 13"/>
+          <p:cNvSpPr/>
+          <p:nvPr/>
+        </p:nvSpPr>
+        <p:spPr>
+          <a:xfrm>
+            <a:off x="4006115" y="5745001"/>
+            <a:ext cx="127323" cy="127323"/>
+          </a:xfrm>
+          <a:prstGeom prst="ellipse">
+            <a:avLst/>
+          </a:prstGeom>
+          <a:solidFill>
+            <a:srgbClr val="CDAE13">
+              <a:alpha val="20000"/>
+            </a:srgbClr>
+          </a:solidFill>
+          <a:ln>
+            <a:noFill/>
+          </a:ln>
+        </p:spPr>
+        <p:style>
+          <a:lnRef idx="2">
+            <a:schemeClr val="accent1">
+              <a:shade val="50000"/>
+            </a:schemeClr>
+          </a:lnRef>
+          <a:fillRef idx="1">
+            <a:schemeClr val="accent1"/>
+          </a:fillRef>
+          <a:effectRef idx="0">
+            <a:schemeClr val="accent1"/>
+          </a:effectRef>
+          <a:fontRef idx="minor">
+            <a:schemeClr val="lt1"/>
+          </a:fontRef>
+        </p:style>
+        <p:txBody>
+          <a:bodyPr rtlCol="0" anchor="ctr"/>
+          <a:lstStyle/>
+          <a:p>
+            <a:pPr algn="ctr"/>
+            <a:endParaRPr lang="it-IT">
+              <a:solidFill>
+                <a:schemeClr val="accent1">
+                  <a:lumMod val="40000"/>
+                  <a:lumOff val="60000"/>
+                </a:schemeClr>
+              </a:solidFill>
+            </a:endParaRPr>
+          </a:p>
+        </p:txBody>
+      </p:sp>
+      <p:sp>
+        <p:nvSpPr>
+          <p:cNvPr id="15" name="Ovale 14"/>
+          <p:cNvSpPr/>
+          <p:nvPr/>
+        </p:nvSpPr>
+        <p:spPr>
+          <a:xfrm>
+            <a:off x="4499589" y="5745001"/>
+            <a:ext cx="127323" cy="127323"/>
+          </a:xfrm>
+          <a:prstGeom prst="ellipse">
+            <a:avLst/>
+          </a:prstGeom>
+          <a:solidFill>
+            <a:srgbClr val="CDAE13">
+              <a:alpha val="20000"/>
+            </a:srgbClr>
+          </a:solidFill>
+          <a:ln>
+            <a:noFill/>
+          </a:ln>
+        </p:spPr>
+        <p:style>
+          <a:lnRef idx="2">
+            <a:schemeClr val="accent1">
+              <a:shade val="50000"/>
+            </a:schemeClr>
+          </a:lnRef>
+          <a:fillRef idx="1">
+            <a:schemeClr val="accent1"/>
+          </a:fillRef>
+          <a:effectRef idx="0">
+            <a:schemeClr val="accent1"/>
+          </a:effectRef>
+          <a:fontRef idx="minor">
+            <a:schemeClr val="lt1"/>
+          </a:fontRef>
+        </p:style>
+        <p:txBody>
+          <a:bodyPr rtlCol="0" anchor="ctr"/>
+          <a:lstStyle/>
+          <a:p>
+            <a:pPr algn="ctr"/>
+            <a:endParaRPr lang="it-IT">
+              <a:solidFill>
+                <a:schemeClr val="accent1">
+                  <a:lumMod val="40000"/>
+                  <a:lumOff val="60000"/>
+                </a:schemeClr>
+              </a:solidFill>
+            </a:endParaRPr>
+          </a:p>
+        </p:txBody>
+      </p:sp>
+      <p:sp>
+        <p:nvSpPr>
+          <p:cNvPr id="16" name="Ovale 15"/>
+          <p:cNvSpPr/>
+          <p:nvPr/>
+        </p:nvSpPr>
+        <p:spPr>
+          <a:xfrm>
+            <a:off x="4993063" y="5745001"/>
+            <a:ext cx="127323" cy="127323"/>
+          </a:xfrm>
+          <a:prstGeom prst="ellipse">
+            <a:avLst/>
+          </a:prstGeom>
+          <a:solidFill>
+            <a:srgbClr val="CDAE13">
+              <a:alpha val="20000"/>
+            </a:srgbClr>
+          </a:solidFill>
+          <a:ln>
+            <a:noFill/>
+          </a:ln>
+        </p:spPr>
+        <p:style>
+          <a:lnRef idx="2">
+            <a:schemeClr val="accent1">
+              <a:shade val="50000"/>
+            </a:schemeClr>
+          </a:lnRef>
+          <a:fillRef idx="1">
+            <a:schemeClr val="accent1"/>
+          </a:fillRef>
+          <a:effectRef idx="0">
+            <a:schemeClr val="accent1"/>
+          </a:effectRef>
+          <a:fontRef idx="minor">
+            <a:schemeClr val="lt1"/>
+          </a:fontRef>
+        </p:style>
+        <p:txBody>
+          <a:bodyPr rtlCol="0" anchor="ctr"/>
+          <a:lstStyle/>
+          <a:p>
+            <a:pPr algn="ctr"/>
+            <a:endParaRPr lang="it-IT">
+              <a:solidFill>
+                <a:schemeClr val="accent1">
+                  <a:lumMod val="40000"/>
+                  <a:lumOff val="60000"/>
+                </a:schemeClr>
+              </a:solidFill>
+            </a:endParaRPr>
+          </a:p>
+        </p:txBody>
+      </p:sp>
+      <p:sp>
+        <p:nvSpPr>
+          <p:cNvPr id="17" name="Ovale 16"/>
+          <p:cNvSpPr/>
+          <p:nvPr/>
+        </p:nvSpPr>
+        <p:spPr>
+          <a:xfrm>
+            <a:off x="5486537" y="5745001"/>
+            <a:ext cx="127323" cy="127323"/>
+          </a:xfrm>
+          <a:prstGeom prst="ellipse">
+            <a:avLst/>
+          </a:prstGeom>
+          <a:solidFill>
+            <a:srgbClr val="CDAE13">
+              <a:alpha val="20000"/>
+            </a:srgbClr>
+          </a:solidFill>
+          <a:ln>
+            <a:noFill/>
+          </a:ln>
+        </p:spPr>
+        <p:style>
+          <a:lnRef idx="2">
+            <a:schemeClr val="accent1">
+              <a:shade val="50000"/>
+            </a:schemeClr>
+          </a:lnRef>
+          <a:fillRef idx="1">
+            <a:schemeClr val="accent1"/>
+          </a:fillRef>
+          <a:effectRef idx="0">
+            <a:schemeClr val="accent1"/>
+          </a:effectRef>
+          <a:fontRef idx="minor">
+            <a:schemeClr val="lt1"/>
+          </a:fontRef>
+        </p:style>
+        <p:txBody>
+          <a:bodyPr rtlCol="0" anchor="ctr"/>
+          <a:lstStyle/>
+          <a:p>
+            <a:pPr algn="ctr"/>
+            <a:endParaRPr lang="it-IT">
+              <a:solidFill>
+                <a:schemeClr val="accent1">
+                  <a:lumMod val="40000"/>
+                  <a:lumOff val="60000"/>
+                </a:schemeClr>
+              </a:solidFill>
+            </a:endParaRPr>
+          </a:p>
+        </p:txBody>
+      </p:sp>
+      <p:sp>
+        <p:nvSpPr>
+          <p:cNvPr id="18" name="Ovale 17"/>
+          <p:cNvSpPr/>
+          <p:nvPr/>
+        </p:nvSpPr>
+        <p:spPr>
+          <a:xfrm>
+            <a:off x="5980011" y="5745001"/>
+            <a:ext cx="127323" cy="127323"/>
+          </a:xfrm>
+          <a:prstGeom prst="ellipse">
+            <a:avLst/>
+          </a:prstGeom>
+          <a:solidFill>
+            <a:srgbClr val="CDAE13">
+              <a:alpha val="20000"/>
+            </a:srgbClr>
+          </a:solidFill>
+          <a:ln>
+            <a:noFill/>
+          </a:ln>
+        </p:spPr>
+        <p:style>
+          <a:lnRef idx="2">
+            <a:schemeClr val="accent1">
+              <a:shade val="50000"/>
+            </a:schemeClr>
+          </a:lnRef>
+          <a:fillRef idx="1">
+            <a:schemeClr val="accent1"/>
+          </a:fillRef>
+          <a:effectRef idx="0">
+            <a:schemeClr val="accent1"/>
+          </a:effectRef>
+          <a:fontRef idx="minor">
+            <a:schemeClr val="lt1"/>
+          </a:fontRef>
+        </p:style>
+        <p:txBody>
+          <a:bodyPr rtlCol="0" anchor="ctr"/>
+          <a:lstStyle/>
+          <a:p>
+            <a:pPr algn="ctr"/>
+            <a:endParaRPr lang="it-IT">
+              <a:solidFill>
+                <a:schemeClr val="accent1">
+                  <a:lumMod val="40000"/>
+                  <a:lumOff val="60000"/>
+                </a:schemeClr>
+              </a:solidFill>
+            </a:endParaRPr>
+          </a:p>
+        </p:txBody>
+      </p:sp>
+      <p:sp>
+        <p:nvSpPr>
+          <p:cNvPr id="19" name="Ovale 18"/>
+          <p:cNvSpPr/>
+          <p:nvPr/>
+        </p:nvSpPr>
+        <p:spPr>
+          <a:xfrm>
+            <a:off x="6473485" y="5745001"/>
+            <a:ext cx="127323" cy="127323"/>
+          </a:xfrm>
+          <a:prstGeom prst="ellipse">
+            <a:avLst/>
+          </a:prstGeom>
+          <a:solidFill>
+            <a:srgbClr val="CDAE13">
+              <a:alpha val="20000"/>
+            </a:srgbClr>
+          </a:solidFill>
+          <a:ln>
+            <a:noFill/>
+          </a:ln>
+        </p:spPr>
+        <p:style>
+          <a:lnRef idx="2">
+            <a:schemeClr val="accent1">
+              <a:shade val="50000"/>
+            </a:schemeClr>
+          </a:lnRef>
+          <a:fillRef idx="1">
+            <a:schemeClr val="accent1"/>
+          </a:fillRef>
+          <a:effectRef idx="0">
+            <a:schemeClr val="accent1"/>
+          </a:effectRef>
+          <a:fontRef idx="minor">
+            <a:schemeClr val="lt1"/>
+          </a:fontRef>
+        </p:style>
+        <p:txBody>
+          <a:bodyPr rtlCol="0" anchor="ctr"/>
+          <a:lstStyle/>
+          <a:p>
+            <a:pPr algn="ctr"/>
+            <a:endParaRPr lang="it-IT">
+              <a:solidFill>
+                <a:schemeClr val="accent1">
+                  <a:lumMod val="40000"/>
+                  <a:lumOff val="60000"/>
+                </a:schemeClr>
+              </a:solidFill>
+            </a:endParaRPr>
+          </a:p>
+        </p:txBody>
+      </p:sp>
+      <p:sp>
+        <p:nvSpPr>
+          <p:cNvPr id="20" name="Ovale 19"/>
+          <p:cNvSpPr/>
+          <p:nvPr/>
+        </p:nvSpPr>
+        <p:spPr>
+          <a:xfrm>
+            <a:off x="6966959" y="5745001"/>
+            <a:ext cx="127323" cy="127323"/>
+          </a:xfrm>
+          <a:prstGeom prst="ellipse">
+            <a:avLst/>
+          </a:prstGeom>
+          <a:solidFill>
+            <a:srgbClr val="CDAE13">
+              <a:alpha val="20000"/>
+            </a:srgbClr>
+          </a:solidFill>
+          <a:ln>
+            <a:noFill/>
+          </a:ln>
+        </p:spPr>
+        <p:style>
+          <a:lnRef idx="2">
+            <a:schemeClr val="accent1">
+              <a:shade val="50000"/>
+            </a:schemeClr>
+          </a:lnRef>
+          <a:fillRef idx="1">
+            <a:schemeClr val="accent1"/>
+          </a:fillRef>
+          <a:effectRef idx="0">
+            <a:schemeClr val="accent1"/>
+          </a:effectRef>
+          <a:fontRef idx="minor">
+            <a:schemeClr val="lt1"/>
+          </a:fontRef>
+        </p:style>
+        <p:txBody>
+          <a:bodyPr rtlCol="0" anchor="ctr"/>
+          <a:lstStyle/>
+          <a:p>
+            <a:pPr algn="ctr"/>
+            <a:endParaRPr lang="it-IT">
+              <a:solidFill>
+                <a:schemeClr val="accent1">
+                  <a:lumMod val="40000"/>
+                  <a:lumOff val="60000"/>
+                </a:schemeClr>
+              </a:solidFill>
+            </a:endParaRPr>
+          </a:p>
+        </p:txBody>
+      </p:sp>
+      <p:sp>
+        <p:nvSpPr>
+          <p:cNvPr id="21" name="Ovale 20"/>
+          <p:cNvSpPr/>
+          <p:nvPr/>
+        </p:nvSpPr>
+        <p:spPr>
+          <a:xfrm>
+            <a:off x="7460433" y="5745001"/>
+            <a:ext cx="127323" cy="127323"/>
+          </a:xfrm>
+          <a:prstGeom prst="ellipse">
+            <a:avLst/>
+          </a:prstGeom>
+          <a:solidFill>
+            <a:srgbClr val="CDAE13">
+              <a:alpha val="20000"/>
+            </a:srgbClr>
+          </a:solidFill>
+          <a:ln>
+            <a:noFill/>
+          </a:ln>
+        </p:spPr>
+        <p:style>
+          <a:lnRef idx="2">
+            <a:schemeClr val="accent1">
+              <a:shade val="50000"/>
+            </a:schemeClr>
+          </a:lnRef>
+          <a:fillRef idx="1">
+            <a:schemeClr val="accent1"/>
+          </a:fillRef>
+          <a:effectRef idx="0">
+            <a:schemeClr val="accent1"/>
+          </a:effectRef>
+          <a:fontRef idx="minor">
+            <a:schemeClr val="lt1"/>
+          </a:fontRef>
+        </p:style>
+        <p:txBody>
+          <a:bodyPr rtlCol="0" anchor="ctr"/>
+          <a:lstStyle/>
+          <a:p>
+            <a:pPr algn="ctr"/>
+            <a:endParaRPr lang="it-IT">
+              <a:solidFill>
+                <a:schemeClr val="accent1">
+                  <a:lumMod val="40000"/>
+                  <a:lumOff val="60000"/>
+                </a:schemeClr>
+              </a:solidFill>
+            </a:endParaRPr>
+          </a:p>
+        </p:txBody>
+      </p:sp>
+      <p:sp>
+        <p:nvSpPr>
+          <p:cNvPr id="22" name="Ovale 21"/>
+          <p:cNvSpPr/>
+          <p:nvPr/>
+        </p:nvSpPr>
+        <p:spPr>
+          <a:xfrm>
+            <a:off x="7953908" y="5745001"/>
+            <a:ext cx="127323" cy="127323"/>
+          </a:xfrm>
+          <a:prstGeom prst="ellipse">
+            <a:avLst/>
+          </a:prstGeom>
+          <a:solidFill>
+            <a:srgbClr val="CDAE13">
+              <a:alpha val="20000"/>
+            </a:srgbClr>
+          </a:solidFill>
+          <a:ln>
+            <a:noFill/>
+          </a:ln>
+        </p:spPr>
+        <p:style>
+          <a:lnRef idx="2">
+            <a:schemeClr val="accent1">
+              <a:shade val="50000"/>
+            </a:schemeClr>
+          </a:lnRef>
+          <a:fillRef idx="1">
+            <a:schemeClr val="accent1"/>
+          </a:fillRef>
+          <a:effectRef idx="0">
+            <a:schemeClr val="accent1"/>
+          </a:effectRef>
+          <a:fontRef idx="minor">
+            <a:schemeClr val="lt1"/>
+          </a:fontRef>
+        </p:style>
+        <p:txBody>
+          <a:bodyPr rtlCol="0" anchor="ctr"/>
+          <a:lstStyle/>
+          <a:p>
+            <a:pPr algn="ctr"/>
+            <a:endParaRPr lang="it-IT">
+              <a:solidFill>
+                <a:schemeClr val="accent1">
+                  <a:lumMod val="40000"/>
+                  <a:lumOff val="60000"/>
+                </a:schemeClr>
+              </a:solidFill>
+            </a:endParaRPr>
+          </a:p>
+        </p:txBody>
+      </p:sp>
+      <p:sp>
+        <p:nvSpPr>
+          <p:cNvPr id="37" name="Ovale 36"/>
+          <p:cNvSpPr/>
+          <p:nvPr/>
+        </p:nvSpPr>
+        <p:spPr>
+          <a:xfrm>
+            <a:off x="8447383" y="5738908"/>
+            <a:ext cx="127323" cy="127323"/>
+          </a:xfrm>
+          <a:prstGeom prst="ellipse">
+            <a:avLst/>
+          </a:prstGeom>
+          <a:solidFill>
+            <a:srgbClr val="CDAE13">
+              <a:alpha val="20000"/>
+            </a:srgbClr>
+          </a:solidFill>
+          <a:ln>
+            <a:noFill/>
+          </a:ln>
+        </p:spPr>
+        <p:style>
+          <a:lnRef idx="2">
+            <a:schemeClr val="accent1">
+              <a:shade val="50000"/>
+            </a:schemeClr>
+          </a:lnRef>
+          <a:fillRef idx="1">
+            <a:schemeClr val="accent1"/>
+          </a:fillRef>
+          <a:effectRef idx="0">
+            <a:schemeClr val="accent1"/>
+          </a:effectRef>
+          <a:fontRef idx="minor">
+            <a:schemeClr val="lt1"/>
+          </a:fontRef>
+        </p:style>
+        <p:txBody>
+          <a:bodyPr rtlCol="0" anchor="ctr"/>
+          <a:lstStyle/>
+          <a:p>
+            <a:pPr algn="ctr"/>
+            <a:endParaRPr lang="it-IT">
+              <a:solidFill>
+                <a:schemeClr val="accent1">
+                  <a:lumMod val="40000"/>
+                  <a:lumOff val="60000"/>
+                </a:schemeClr>
+              </a:solidFill>
+            </a:endParaRPr>
+          </a:p>
+        </p:txBody>
+      </p:sp>
+      <p:sp>
+        <p:nvSpPr>
+          <p:cNvPr id="43" name="Ovale 42"/>
+          <p:cNvSpPr/>
+          <p:nvPr/>
+        </p:nvSpPr>
+        <p:spPr>
+          <a:xfrm>
+            <a:off x="8940857" y="5737642"/>
+            <a:ext cx="127323" cy="127323"/>
+          </a:xfrm>
+          <a:prstGeom prst="ellipse">
+            <a:avLst/>
+          </a:prstGeom>
+          <a:solidFill>
+            <a:srgbClr val="CDAE13">
+              <a:alpha val="20000"/>
+            </a:srgbClr>
+          </a:solidFill>
+          <a:ln>
+            <a:noFill/>
+          </a:ln>
+        </p:spPr>
+        <p:style>
+          <a:lnRef idx="2">
+            <a:schemeClr val="accent1">
+              <a:shade val="50000"/>
+            </a:schemeClr>
+          </a:lnRef>
+          <a:fillRef idx="1">
+            <a:schemeClr val="accent1"/>
+          </a:fillRef>
+          <a:effectRef idx="0">
+            <a:schemeClr val="accent1"/>
+          </a:effectRef>
+          <a:fontRef idx="minor">
+            <a:schemeClr val="lt1"/>
+          </a:fontRef>
+        </p:style>
+        <p:txBody>
+          <a:bodyPr rtlCol="0" anchor="ctr"/>
+          <a:lstStyle/>
+          <a:p>
+            <a:pPr algn="ctr"/>
+            <a:endParaRPr lang="it-IT">
+              <a:solidFill>
+                <a:schemeClr val="accent1">
+                  <a:lumMod val="40000"/>
+                  <a:lumOff val="60000"/>
+                </a:schemeClr>
+              </a:solidFill>
+            </a:endParaRPr>
+          </a:p>
+        </p:txBody>
+      </p:sp>
+      <p:sp>
+        <p:nvSpPr>
+          <p:cNvPr id="26" name="Rettangolo 25">
+            <a:extLst>
+              <a:ext uri="{FF2B5EF4-FFF2-40B4-BE49-F238E27FC236}">
+                <a16:creationId xmlns:a16="http://schemas.microsoft.com/office/drawing/2014/main" xmlns="" id="{801AFBDF-755A-4042-8FEA-C7FEF77FB21C}"/>
+              </a:ext>
+            </a:extLst>
+          </p:cNvPr>
+          <p:cNvSpPr/>
+          <p:nvPr/>
+        </p:nvSpPr>
+        <p:spPr>
+          <a:xfrm>
+            <a:off x="539868" y="99680"/>
+            <a:ext cx="6459070" cy="1200329"/>
+          </a:xfrm>
+          <a:prstGeom prst="rect">
+            <a:avLst/>
+          </a:prstGeom>
+        </p:spPr>
+        <p:txBody>
+          <a:bodyPr wrap="none">
+            <a:spAutoFit/>
+          </a:bodyPr>
+          <a:lstStyle/>
+          <a:p>
+            <a:r>
+              <a:rPr lang="it-IT" sz="3600" b="1" dirty="0" smtClean="0"/>
+              <a:t>Gestione persistenza del sistema</a:t>
+            </a:r>
+          </a:p>
+          <a:p>
+            <a:r>
+              <a:rPr lang="it-IT" b="1" dirty="0" smtClean="0"/>
+              <a:t> UML DAO</a:t>
+            </a:r>
+          </a:p>
+          <a:p>
+            <a:r>
+              <a:rPr lang="it-IT" b="1" dirty="0" smtClean="0"/>
+              <a:t> </a:t>
+            </a:r>
+          </a:p>
+        </p:txBody>
+      </p:sp>
+    </p:spTree>
+    <p:extLst>
+      <p:ext uri="{BB962C8B-B14F-4D97-AF65-F5344CB8AC3E}">
+        <p14:creationId xmlns:p14="http://schemas.microsoft.com/office/powerpoint/2010/main" val="3619801738"/>
+      </p:ext>
+    </p:extLst>
+  </p:cSld>
+  <p:clrMapOvr>
+    <a:masterClrMapping/>
+  </p:clrMapOvr>
+  <p:timing>
+    <p:tnLst>
+      <p:par>
+        <p:cTn xmlns:p14="http://schemas.microsoft.com/office/powerpoint/2010/main" id="1" dur="indefinite" restart="never" nodeType="tmRoot"/>
+      </p:par>
+    </p:tnLst>
+  </p:timing>
+</p:sld>
+</file>
+
+<file path=ppt/slides/slide13.xml><?xml version="1.0" encoding="utf-8"?>
+<p:sld xmlns:a="http://schemas.openxmlformats.org/drawingml/2006/main" xmlns:r="http://schemas.openxmlformats.org/officeDocument/2006/relationships" xmlns:p="http://schemas.openxmlformats.org/presentationml/2006/main">
+  <p:cSld>
+    <p:spTree>
+      <p:nvGrpSpPr>
+        <p:cNvPr id="1" name=""/>
+        <p:cNvGrpSpPr/>
+        <p:nvPr/>
+      </p:nvGrpSpPr>
+      <p:grpSpPr>
+        <a:xfrm>
+          <a:off x="0" y="0"/>
+          <a:ext cx="0" cy="0"/>
+          <a:chOff x="0" y="0"/>
+          <a:chExt cx="0" cy="0"/>
+        </a:xfrm>
+      </p:grpSpPr>
+      <p:pic>
+        <p:nvPicPr>
+          <p:cNvPr id="4" name="Immagine 3"/>
+          <p:cNvPicPr>
+            <a:picLocks noChangeAspect="1"/>
+          </p:cNvPicPr>
+          <p:nvPr/>
+        </p:nvPicPr>
+        <p:blipFill>
+          <a:blip r:embed="rId3" cstate="hqprint">
+            <a:extLst>
+              <a:ext uri="{28A0092B-C50C-407E-A947-70E740481C1C}">
+                <a14:useLocalDpi xmlns:a14="http://schemas.microsoft.com/office/drawing/2010/main" val="0"/>
+              </a:ext>
+            </a:extLst>
+          </a:blip>
+          <a:stretch>
+            <a:fillRect/>
+          </a:stretch>
+        </p:blipFill>
+        <p:spPr>
+          <a:xfrm>
+            <a:off x="10221494" y="5477077"/>
+            <a:ext cx="1127485" cy="1652928"/>
+          </a:xfrm>
+          <a:prstGeom prst="rect">
+            <a:avLst/>
+          </a:prstGeom>
+        </p:spPr>
+      </p:pic>
+      <p:sp>
+        <p:nvSpPr>
+          <p:cNvPr id="7" name="CasellaDiTesto 6"/>
+          <p:cNvSpPr txBox="1"/>
+          <p:nvPr/>
+        </p:nvSpPr>
+        <p:spPr>
+          <a:xfrm>
+            <a:off x="958002" y="6040157"/>
+            <a:ext cx="1918089" cy="656526"/>
+          </a:xfrm>
+          <a:prstGeom prst="rect">
+            <a:avLst/>
+          </a:prstGeom>
+          <a:noFill/>
+        </p:spPr>
+        <p:txBody>
+          <a:bodyPr wrap="none" rtlCol="0">
+            <a:spAutoFit/>
+          </a:bodyPr>
+          <a:lstStyle/>
+          <a:p>
+            <a:r>
+              <a:rPr lang="it-IT" sz="1400" dirty="0"/>
+              <a:t>Ingegneria del Software</a:t>
+            </a:r>
+          </a:p>
+          <a:p>
+            <a:pPr>
+              <a:lnSpc>
+                <a:spcPts val="1600"/>
+              </a:lnSpc>
+            </a:pPr>
+            <a:endParaRPr lang="it-IT" sz="1400" dirty="0"/>
+          </a:p>
+          <a:p>
+            <a:pPr>
+              <a:lnSpc>
+                <a:spcPts val="1000"/>
+              </a:lnSpc>
+            </a:pPr>
+            <a:r>
+              <a:rPr lang="it-IT" sz="1400" dirty="0"/>
+              <a:t>A.A. 2017-18</a:t>
+            </a:r>
+          </a:p>
+        </p:txBody>
+      </p:sp>
+      <p:sp>
+        <p:nvSpPr>
+          <p:cNvPr id="8" name="Ovale 7"/>
+          <p:cNvSpPr/>
+          <p:nvPr/>
+        </p:nvSpPr>
+        <p:spPr>
+          <a:xfrm>
+            <a:off x="1045271" y="5745001"/>
+            <a:ext cx="127323" cy="127323"/>
+          </a:xfrm>
+          <a:prstGeom prst="ellipse">
+            <a:avLst/>
+          </a:prstGeom>
+          <a:solidFill>
+            <a:srgbClr val="CDAE13"/>
+          </a:solidFill>
+          <a:ln>
+            <a:noFill/>
+          </a:ln>
+        </p:spPr>
+        <p:style>
+          <a:lnRef idx="2">
+            <a:schemeClr val="accent1">
+              <a:shade val="50000"/>
+            </a:schemeClr>
+          </a:lnRef>
+          <a:fillRef idx="1">
+            <a:schemeClr val="accent1"/>
+          </a:fillRef>
+          <a:effectRef idx="0">
+            <a:schemeClr val="accent1"/>
+          </a:effectRef>
+          <a:fontRef idx="minor">
+            <a:schemeClr val="lt1"/>
+          </a:fontRef>
+        </p:style>
+        <p:txBody>
+          <a:bodyPr rtlCol="0" anchor="ctr"/>
+          <a:lstStyle/>
+          <a:p>
+            <a:pPr algn="ctr"/>
+            <a:endParaRPr lang="it-IT"/>
+          </a:p>
+        </p:txBody>
+      </p:sp>
+      <p:sp>
+        <p:nvSpPr>
+          <p:cNvPr id="9" name="Ovale 8"/>
+          <p:cNvSpPr/>
+          <p:nvPr/>
+        </p:nvSpPr>
+        <p:spPr>
+          <a:xfrm>
+            <a:off x="1538745" y="5745001"/>
+            <a:ext cx="127323" cy="127323"/>
+          </a:xfrm>
+          <a:prstGeom prst="ellipse">
+            <a:avLst/>
+          </a:prstGeom>
+          <a:solidFill>
+            <a:srgbClr val="CDAE13">
+              <a:alpha val="20000"/>
+            </a:srgbClr>
+          </a:solidFill>
+          <a:ln>
+            <a:noFill/>
+          </a:ln>
+        </p:spPr>
+        <p:style>
+          <a:lnRef idx="2">
+            <a:schemeClr val="accent1">
+              <a:shade val="50000"/>
+            </a:schemeClr>
+          </a:lnRef>
+          <a:fillRef idx="1">
+            <a:schemeClr val="accent1"/>
+          </a:fillRef>
+          <a:effectRef idx="0">
+            <a:schemeClr val="accent1"/>
+          </a:effectRef>
+          <a:fontRef idx="minor">
+            <a:schemeClr val="lt1"/>
+          </a:fontRef>
+        </p:style>
+        <p:txBody>
+          <a:bodyPr rtlCol="0" anchor="ctr"/>
+          <a:lstStyle/>
+          <a:p>
+            <a:pPr algn="ctr"/>
+            <a:endParaRPr lang="it-IT">
+              <a:solidFill>
+                <a:schemeClr val="accent1">
+                  <a:lumMod val="40000"/>
+                  <a:lumOff val="60000"/>
+                </a:schemeClr>
+              </a:solidFill>
+            </a:endParaRPr>
+          </a:p>
+        </p:txBody>
+      </p:sp>
+      <p:sp>
+        <p:nvSpPr>
+          <p:cNvPr id="10" name="Ovale 9"/>
+          <p:cNvSpPr/>
+          <p:nvPr/>
+        </p:nvSpPr>
+        <p:spPr>
+          <a:xfrm>
+            <a:off x="2032219" y="5745001"/>
+            <a:ext cx="127323" cy="127323"/>
+          </a:xfrm>
+          <a:prstGeom prst="ellipse">
+            <a:avLst/>
+          </a:prstGeom>
+          <a:solidFill>
+            <a:srgbClr val="CDAE13">
+              <a:alpha val="20000"/>
+            </a:srgbClr>
+          </a:solidFill>
+          <a:ln>
+            <a:noFill/>
+          </a:ln>
+        </p:spPr>
+        <p:style>
+          <a:lnRef idx="2">
+            <a:schemeClr val="accent1">
+              <a:shade val="50000"/>
+            </a:schemeClr>
+          </a:lnRef>
+          <a:fillRef idx="1">
+            <a:schemeClr val="accent1"/>
+          </a:fillRef>
+          <a:effectRef idx="0">
+            <a:schemeClr val="accent1"/>
+          </a:effectRef>
+          <a:fontRef idx="minor">
+            <a:schemeClr val="lt1"/>
+          </a:fontRef>
+        </p:style>
+        <p:txBody>
+          <a:bodyPr rtlCol="0" anchor="ctr"/>
+          <a:lstStyle/>
+          <a:p>
+            <a:pPr algn="ctr"/>
+            <a:endParaRPr lang="it-IT">
+              <a:solidFill>
+                <a:schemeClr val="accent1">
+                  <a:lumMod val="40000"/>
+                  <a:lumOff val="60000"/>
+                </a:schemeClr>
+              </a:solidFill>
+            </a:endParaRPr>
+          </a:p>
+        </p:txBody>
+      </p:sp>
+      <p:sp>
+        <p:nvSpPr>
+          <p:cNvPr id="11" name="Ovale 10"/>
+          <p:cNvSpPr/>
+          <p:nvPr/>
+        </p:nvSpPr>
+        <p:spPr>
+          <a:xfrm>
+            <a:off x="2525693" y="5745001"/>
+            <a:ext cx="127323" cy="127323"/>
+          </a:xfrm>
+          <a:prstGeom prst="ellipse">
+            <a:avLst/>
+          </a:prstGeom>
+          <a:solidFill>
+            <a:srgbClr val="CDAE13">
+              <a:alpha val="20000"/>
+            </a:srgbClr>
+          </a:solidFill>
+          <a:ln>
+            <a:noFill/>
+          </a:ln>
+        </p:spPr>
+        <p:style>
+          <a:lnRef idx="2">
+            <a:schemeClr val="accent1">
+              <a:shade val="50000"/>
+            </a:schemeClr>
+          </a:lnRef>
+          <a:fillRef idx="1">
+            <a:schemeClr val="accent1"/>
+          </a:fillRef>
+          <a:effectRef idx="0">
+            <a:schemeClr val="accent1"/>
+          </a:effectRef>
+          <a:fontRef idx="minor">
+            <a:schemeClr val="lt1"/>
+          </a:fontRef>
+        </p:style>
+        <p:txBody>
+          <a:bodyPr rtlCol="0" anchor="ctr"/>
+          <a:lstStyle/>
+          <a:p>
+            <a:pPr algn="ctr"/>
+            <a:endParaRPr lang="it-IT">
+              <a:solidFill>
+                <a:schemeClr val="accent1">
+                  <a:lumMod val="40000"/>
+                  <a:lumOff val="60000"/>
+                </a:schemeClr>
+              </a:solidFill>
+            </a:endParaRPr>
+          </a:p>
+        </p:txBody>
+      </p:sp>
+      <p:sp>
+        <p:nvSpPr>
+          <p:cNvPr id="12" name="Ovale 11"/>
+          <p:cNvSpPr/>
+          <p:nvPr/>
+        </p:nvSpPr>
+        <p:spPr>
+          <a:xfrm>
+            <a:off x="3019167" y="5745001"/>
+            <a:ext cx="127323" cy="127323"/>
+          </a:xfrm>
+          <a:prstGeom prst="ellipse">
+            <a:avLst/>
+          </a:prstGeom>
+          <a:solidFill>
+            <a:srgbClr val="CDAE13">
+              <a:alpha val="20000"/>
+            </a:srgbClr>
+          </a:solidFill>
+          <a:ln>
+            <a:noFill/>
+          </a:ln>
+        </p:spPr>
+        <p:style>
+          <a:lnRef idx="2">
+            <a:schemeClr val="accent1">
+              <a:shade val="50000"/>
+            </a:schemeClr>
+          </a:lnRef>
+          <a:fillRef idx="1">
+            <a:schemeClr val="accent1"/>
+          </a:fillRef>
+          <a:effectRef idx="0">
+            <a:schemeClr val="accent1"/>
+          </a:effectRef>
+          <a:fontRef idx="minor">
+            <a:schemeClr val="lt1"/>
+          </a:fontRef>
+        </p:style>
+        <p:txBody>
+          <a:bodyPr rtlCol="0" anchor="ctr"/>
+          <a:lstStyle/>
+          <a:p>
+            <a:pPr algn="ctr"/>
+            <a:endParaRPr lang="it-IT">
+              <a:solidFill>
+                <a:schemeClr val="accent1">
+                  <a:lumMod val="40000"/>
+                  <a:lumOff val="60000"/>
+                </a:schemeClr>
+              </a:solidFill>
+            </a:endParaRPr>
+          </a:p>
+        </p:txBody>
+      </p:sp>
+      <p:sp>
+        <p:nvSpPr>
+          <p:cNvPr id="13" name="Ovale 12"/>
+          <p:cNvSpPr/>
+          <p:nvPr/>
+        </p:nvSpPr>
+        <p:spPr>
+          <a:xfrm>
+            <a:off x="3512641" y="5745001"/>
+            <a:ext cx="127323" cy="127323"/>
+          </a:xfrm>
+          <a:prstGeom prst="ellipse">
+            <a:avLst/>
+          </a:prstGeom>
+          <a:solidFill>
+            <a:srgbClr val="CDAE13">
+              <a:alpha val="20000"/>
+            </a:srgbClr>
+          </a:solidFill>
+          <a:ln>
+            <a:noFill/>
+          </a:ln>
+        </p:spPr>
+        <p:style>
+          <a:lnRef idx="2">
+            <a:schemeClr val="accent1">
+              <a:shade val="50000"/>
+            </a:schemeClr>
+          </a:lnRef>
+          <a:fillRef idx="1">
+            <a:schemeClr val="accent1"/>
+          </a:fillRef>
+          <a:effectRef idx="0">
+            <a:schemeClr val="accent1"/>
+          </a:effectRef>
+          <a:fontRef idx="minor">
+            <a:schemeClr val="lt1"/>
+          </a:fontRef>
+        </p:style>
+        <p:txBody>
+          <a:bodyPr rtlCol="0" anchor="ctr"/>
+          <a:lstStyle/>
+          <a:p>
+            <a:pPr algn="ctr"/>
+            <a:endParaRPr lang="it-IT">
+              <a:solidFill>
+                <a:schemeClr val="accent1">
+                  <a:lumMod val="40000"/>
+                  <a:lumOff val="60000"/>
+                </a:schemeClr>
+              </a:solidFill>
+            </a:endParaRPr>
+          </a:p>
+        </p:txBody>
+      </p:sp>
+      <p:sp>
+        <p:nvSpPr>
+          <p:cNvPr id="14" name="Ovale 13"/>
+          <p:cNvSpPr/>
+          <p:nvPr/>
+        </p:nvSpPr>
+        <p:spPr>
+          <a:xfrm>
+            <a:off x="4006115" y="5745001"/>
+            <a:ext cx="127323" cy="127323"/>
+          </a:xfrm>
+          <a:prstGeom prst="ellipse">
+            <a:avLst/>
+          </a:prstGeom>
+          <a:solidFill>
+            <a:srgbClr val="CDAE13">
+              <a:alpha val="20000"/>
+            </a:srgbClr>
+          </a:solidFill>
+          <a:ln>
+            <a:noFill/>
+          </a:ln>
+        </p:spPr>
+        <p:style>
+          <a:lnRef idx="2">
+            <a:schemeClr val="accent1">
+              <a:shade val="50000"/>
+            </a:schemeClr>
+          </a:lnRef>
+          <a:fillRef idx="1">
+            <a:schemeClr val="accent1"/>
+          </a:fillRef>
+          <a:effectRef idx="0">
+            <a:schemeClr val="accent1"/>
+          </a:effectRef>
+          <a:fontRef idx="minor">
+            <a:schemeClr val="lt1"/>
+          </a:fontRef>
+        </p:style>
+        <p:txBody>
+          <a:bodyPr rtlCol="0" anchor="ctr"/>
+          <a:lstStyle/>
+          <a:p>
+            <a:pPr algn="ctr"/>
+            <a:endParaRPr lang="it-IT">
+              <a:solidFill>
+                <a:schemeClr val="accent1">
+                  <a:lumMod val="40000"/>
+                  <a:lumOff val="60000"/>
+                </a:schemeClr>
+              </a:solidFill>
+            </a:endParaRPr>
+          </a:p>
+        </p:txBody>
+      </p:sp>
+      <p:sp>
+        <p:nvSpPr>
+          <p:cNvPr id="15" name="Ovale 14"/>
+          <p:cNvSpPr/>
+          <p:nvPr/>
+        </p:nvSpPr>
+        <p:spPr>
+          <a:xfrm>
+            <a:off x="4499589" y="5745001"/>
+            <a:ext cx="127323" cy="127323"/>
+          </a:xfrm>
+          <a:prstGeom prst="ellipse">
+            <a:avLst/>
+          </a:prstGeom>
+          <a:solidFill>
+            <a:srgbClr val="CDAE13">
+              <a:alpha val="20000"/>
+            </a:srgbClr>
+          </a:solidFill>
+          <a:ln>
+            <a:noFill/>
+          </a:ln>
+        </p:spPr>
+        <p:style>
+          <a:lnRef idx="2">
+            <a:schemeClr val="accent1">
+              <a:shade val="50000"/>
+            </a:schemeClr>
+          </a:lnRef>
+          <a:fillRef idx="1">
+            <a:schemeClr val="accent1"/>
+          </a:fillRef>
+          <a:effectRef idx="0">
+            <a:schemeClr val="accent1"/>
+          </a:effectRef>
+          <a:fontRef idx="minor">
+            <a:schemeClr val="lt1"/>
+          </a:fontRef>
+        </p:style>
+        <p:txBody>
+          <a:bodyPr rtlCol="0" anchor="ctr"/>
+          <a:lstStyle/>
+          <a:p>
+            <a:pPr algn="ctr"/>
+            <a:endParaRPr lang="it-IT">
+              <a:solidFill>
+                <a:schemeClr val="accent1">
+                  <a:lumMod val="40000"/>
+                  <a:lumOff val="60000"/>
+                </a:schemeClr>
+              </a:solidFill>
+            </a:endParaRPr>
+          </a:p>
+        </p:txBody>
+      </p:sp>
+      <p:sp>
+        <p:nvSpPr>
+          <p:cNvPr id="16" name="Ovale 15"/>
+          <p:cNvSpPr/>
+          <p:nvPr/>
+        </p:nvSpPr>
+        <p:spPr>
+          <a:xfrm>
+            <a:off x="4993063" y="5745001"/>
+            <a:ext cx="127323" cy="127323"/>
+          </a:xfrm>
+          <a:prstGeom prst="ellipse">
+            <a:avLst/>
+          </a:prstGeom>
+          <a:solidFill>
+            <a:srgbClr val="CDAE13">
+              <a:alpha val="20000"/>
+            </a:srgbClr>
+          </a:solidFill>
+          <a:ln>
+            <a:noFill/>
+          </a:ln>
+        </p:spPr>
+        <p:style>
+          <a:lnRef idx="2">
+            <a:schemeClr val="accent1">
+              <a:shade val="50000"/>
+            </a:schemeClr>
+          </a:lnRef>
+          <a:fillRef idx="1">
+            <a:schemeClr val="accent1"/>
+          </a:fillRef>
+          <a:effectRef idx="0">
+            <a:schemeClr val="accent1"/>
+          </a:effectRef>
+          <a:fontRef idx="minor">
+            <a:schemeClr val="lt1"/>
+          </a:fontRef>
+        </p:style>
+        <p:txBody>
+          <a:bodyPr rtlCol="0" anchor="ctr"/>
+          <a:lstStyle/>
+          <a:p>
+            <a:pPr algn="ctr"/>
+            <a:endParaRPr lang="it-IT">
+              <a:solidFill>
+                <a:schemeClr val="accent1">
+                  <a:lumMod val="40000"/>
+                  <a:lumOff val="60000"/>
+                </a:schemeClr>
+              </a:solidFill>
+            </a:endParaRPr>
+          </a:p>
+        </p:txBody>
+      </p:sp>
+      <p:sp>
+        <p:nvSpPr>
+          <p:cNvPr id="17" name="Ovale 16"/>
+          <p:cNvSpPr/>
+          <p:nvPr/>
+        </p:nvSpPr>
+        <p:spPr>
+          <a:xfrm>
+            <a:off x="5486537" y="5745001"/>
+            <a:ext cx="127323" cy="127323"/>
+          </a:xfrm>
+          <a:prstGeom prst="ellipse">
+            <a:avLst/>
+          </a:prstGeom>
+          <a:solidFill>
+            <a:srgbClr val="CDAE13">
+              <a:alpha val="20000"/>
+            </a:srgbClr>
+          </a:solidFill>
+          <a:ln>
+            <a:noFill/>
+          </a:ln>
+        </p:spPr>
+        <p:style>
+          <a:lnRef idx="2">
+            <a:schemeClr val="accent1">
+              <a:shade val="50000"/>
+            </a:schemeClr>
+          </a:lnRef>
+          <a:fillRef idx="1">
+            <a:schemeClr val="accent1"/>
+          </a:fillRef>
+          <a:effectRef idx="0">
+            <a:schemeClr val="accent1"/>
+          </a:effectRef>
+          <a:fontRef idx="minor">
+            <a:schemeClr val="lt1"/>
+          </a:fontRef>
+        </p:style>
+        <p:txBody>
+          <a:bodyPr rtlCol="0" anchor="ctr"/>
+          <a:lstStyle/>
+          <a:p>
+            <a:pPr algn="ctr"/>
+            <a:endParaRPr lang="it-IT">
+              <a:solidFill>
+                <a:schemeClr val="accent1">
+                  <a:lumMod val="40000"/>
+                  <a:lumOff val="60000"/>
+                </a:schemeClr>
+              </a:solidFill>
+            </a:endParaRPr>
+          </a:p>
+        </p:txBody>
+      </p:sp>
+      <p:sp>
+        <p:nvSpPr>
+          <p:cNvPr id="18" name="Ovale 17"/>
+          <p:cNvSpPr/>
+          <p:nvPr/>
+        </p:nvSpPr>
+        <p:spPr>
+          <a:xfrm>
+            <a:off x="5980011" y="5745001"/>
+            <a:ext cx="127323" cy="127323"/>
+          </a:xfrm>
+          <a:prstGeom prst="ellipse">
+            <a:avLst/>
+          </a:prstGeom>
+          <a:solidFill>
+            <a:srgbClr val="CDAE13">
+              <a:alpha val="20000"/>
+            </a:srgbClr>
+          </a:solidFill>
+          <a:ln>
+            <a:noFill/>
+          </a:ln>
+        </p:spPr>
+        <p:style>
+          <a:lnRef idx="2">
+            <a:schemeClr val="accent1">
+              <a:shade val="50000"/>
+            </a:schemeClr>
+          </a:lnRef>
+          <a:fillRef idx="1">
+            <a:schemeClr val="accent1"/>
+          </a:fillRef>
+          <a:effectRef idx="0">
+            <a:schemeClr val="accent1"/>
+          </a:effectRef>
+          <a:fontRef idx="minor">
+            <a:schemeClr val="lt1"/>
+          </a:fontRef>
+        </p:style>
+        <p:txBody>
+          <a:bodyPr rtlCol="0" anchor="ctr"/>
+          <a:lstStyle/>
+          <a:p>
+            <a:pPr algn="ctr"/>
+            <a:endParaRPr lang="it-IT">
+              <a:solidFill>
+                <a:schemeClr val="accent1">
+                  <a:lumMod val="40000"/>
+                  <a:lumOff val="60000"/>
+                </a:schemeClr>
+              </a:solidFill>
+            </a:endParaRPr>
+          </a:p>
+        </p:txBody>
+      </p:sp>
+      <p:sp>
+        <p:nvSpPr>
+          <p:cNvPr id="19" name="Ovale 18"/>
+          <p:cNvSpPr/>
+          <p:nvPr/>
+        </p:nvSpPr>
+        <p:spPr>
+          <a:xfrm>
+            <a:off x="6473485" y="5745001"/>
+            <a:ext cx="127323" cy="127323"/>
+          </a:xfrm>
+          <a:prstGeom prst="ellipse">
+            <a:avLst/>
+          </a:prstGeom>
+          <a:solidFill>
+            <a:srgbClr val="CDAE13">
+              <a:alpha val="20000"/>
+            </a:srgbClr>
+          </a:solidFill>
+          <a:ln>
+            <a:noFill/>
+          </a:ln>
+        </p:spPr>
+        <p:style>
+          <a:lnRef idx="2">
+            <a:schemeClr val="accent1">
+              <a:shade val="50000"/>
+            </a:schemeClr>
+          </a:lnRef>
+          <a:fillRef idx="1">
+            <a:schemeClr val="accent1"/>
+          </a:fillRef>
+          <a:effectRef idx="0">
+            <a:schemeClr val="accent1"/>
+          </a:effectRef>
+          <a:fontRef idx="minor">
+            <a:schemeClr val="lt1"/>
+          </a:fontRef>
+        </p:style>
+        <p:txBody>
+          <a:bodyPr rtlCol="0" anchor="ctr"/>
+          <a:lstStyle/>
+          <a:p>
+            <a:pPr algn="ctr"/>
+            <a:endParaRPr lang="it-IT">
+              <a:solidFill>
+                <a:schemeClr val="accent1">
+                  <a:lumMod val="40000"/>
+                  <a:lumOff val="60000"/>
+                </a:schemeClr>
+              </a:solidFill>
+            </a:endParaRPr>
+          </a:p>
+        </p:txBody>
+      </p:sp>
+      <p:sp>
+        <p:nvSpPr>
+          <p:cNvPr id="20" name="Ovale 19"/>
+          <p:cNvSpPr/>
+          <p:nvPr/>
+        </p:nvSpPr>
+        <p:spPr>
+          <a:xfrm>
+            <a:off x="6966959" y="5745001"/>
+            <a:ext cx="127323" cy="127323"/>
+          </a:xfrm>
+          <a:prstGeom prst="ellipse">
+            <a:avLst/>
+          </a:prstGeom>
+          <a:solidFill>
+            <a:srgbClr val="CDAE13">
+              <a:alpha val="20000"/>
+            </a:srgbClr>
+          </a:solidFill>
+          <a:ln>
+            <a:noFill/>
+          </a:ln>
+        </p:spPr>
+        <p:style>
+          <a:lnRef idx="2">
+            <a:schemeClr val="accent1">
+              <a:shade val="50000"/>
+            </a:schemeClr>
+          </a:lnRef>
+          <a:fillRef idx="1">
+            <a:schemeClr val="accent1"/>
+          </a:fillRef>
+          <a:effectRef idx="0">
+            <a:schemeClr val="accent1"/>
+          </a:effectRef>
+          <a:fontRef idx="minor">
+            <a:schemeClr val="lt1"/>
+          </a:fontRef>
+        </p:style>
+        <p:txBody>
+          <a:bodyPr rtlCol="0" anchor="ctr"/>
+          <a:lstStyle/>
+          <a:p>
+            <a:pPr algn="ctr"/>
+            <a:endParaRPr lang="it-IT">
+              <a:solidFill>
+                <a:schemeClr val="accent1">
+                  <a:lumMod val="40000"/>
+                  <a:lumOff val="60000"/>
+                </a:schemeClr>
+              </a:solidFill>
+            </a:endParaRPr>
+          </a:p>
+        </p:txBody>
+      </p:sp>
+      <p:sp>
+        <p:nvSpPr>
+          <p:cNvPr id="21" name="Ovale 20"/>
+          <p:cNvSpPr/>
+          <p:nvPr/>
+        </p:nvSpPr>
+        <p:spPr>
+          <a:xfrm>
+            <a:off x="7460433" y="5745001"/>
+            <a:ext cx="127323" cy="127323"/>
+          </a:xfrm>
+          <a:prstGeom prst="ellipse">
+            <a:avLst/>
+          </a:prstGeom>
+          <a:solidFill>
+            <a:srgbClr val="CDAE13">
+              <a:alpha val="20000"/>
+            </a:srgbClr>
+          </a:solidFill>
+          <a:ln>
+            <a:noFill/>
+          </a:ln>
+        </p:spPr>
+        <p:style>
+          <a:lnRef idx="2">
+            <a:schemeClr val="accent1">
+              <a:shade val="50000"/>
+            </a:schemeClr>
+          </a:lnRef>
+          <a:fillRef idx="1">
+            <a:schemeClr val="accent1"/>
+          </a:fillRef>
+          <a:effectRef idx="0">
+            <a:schemeClr val="accent1"/>
+          </a:effectRef>
+          <a:fontRef idx="minor">
+            <a:schemeClr val="lt1"/>
+          </a:fontRef>
+        </p:style>
+        <p:txBody>
+          <a:bodyPr rtlCol="0" anchor="ctr"/>
+          <a:lstStyle/>
+          <a:p>
+            <a:pPr algn="ctr"/>
+            <a:endParaRPr lang="it-IT">
+              <a:solidFill>
+                <a:schemeClr val="accent1">
+                  <a:lumMod val="40000"/>
+                  <a:lumOff val="60000"/>
+                </a:schemeClr>
+              </a:solidFill>
+            </a:endParaRPr>
+          </a:p>
+        </p:txBody>
+      </p:sp>
+      <p:sp>
+        <p:nvSpPr>
+          <p:cNvPr id="22" name="Ovale 21"/>
+          <p:cNvSpPr/>
+          <p:nvPr/>
+        </p:nvSpPr>
+        <p:spPr>
+          <a:xfrm>
+            <a:off x="7953908" y="5745001"/>
+            <a:ext cx="127323" cy="127323"/>
+          </a:xfrm>
+          <a:prstGeom prst="ellipse">
+            <a:avLst/>
+          </a:prstGeom>
+          <a:solidFill>
+            <a:srgbClr val="CDAE13">
+              <a:alpha val="20000"/>
+            </a:srgbClr>
+          </a:solidFill>
+          <a:ln>
+            <a:noFill/>
+          </a:ln>
+        </p:spPr>
+        <p:style>
+          <a:lnRef idx="2">
+            <a:schemeClr val="accent1">
+              <a:shade val="50000"/>
+            </a:schemeClr>
+          </a:lnRef>
+          <a:fillRef idx="1">
+            <a:schemeClr val="accent1"/>
+          </a:fillRef>
+          <a:effectRef idx="0">
+            <a:schemeClr val="accent1"/>
+          </a:effectRef>
+          <a:fontRef idx="minor">
+            <a:schemeClr val="lt1"/>
+          </a:fontRef>
+        </p:style>
+        <p:txBody>
+          <a:bodyPr rtlCol="0" anchor="ctr"/>
+          <a:lstStyle/>
+          <a:p>
+            <a:pPr algn="ctr"/>
+            <a:endParaRPr lang="it-IT">
+              <a:solidFill>
+                <a:schemeClr val="accent1">
+                  <a:lumMod val="40000"/>
+                  <a:lumOff val="60000"/>
+                </a:schemeClr>
+              </a:solidFill>
+            </a:endParaRPr>
+          </a:p>
+        </p:txBody>
+      </p:sp>
+      <p:sp>
+        <p:nvSpPr>
+          <p:cNvPr id="37" name="Ovale 36"/>
+          <p:cNvSpPr/>
+          <p:nvPr/>
+        </p:nvSpPr>
+        <p:spPr>
+          <a:xfrm>
+            <a:off x="8447383" y="5738908"/>
+            <a:ext cx="127323" cy="127323"/>
+          </a:xfrm>
+          <a:prstGeom prst="ellipse">
+            <a:avLst/>
+          </a:prstGeom>
+          <a:solidFill>
+            <a:srgbClr val="CDAE13">
+              <a:alpha val="20000"/>
+            </a:srgbClr>
+          </a:solidFill>
+          <a:ln>
+            <a:noFill/>
+          </a:ln>
+        </p:spPr>
+        <p:style>
+          <a:lnRef idx="2">
+            <a:schemeClr val="accent1">
+              <a:shade val="50000"/>
+            </a:schemeClr>
+          </a:lnRef>
+          <a:fillRef idx="1">
+            <a:schemeClr val="accent1"/>
+          </a:fillRef>
+          <a:effectRef idx="0">
+            <a:schemeClr val="accent1"/>
+          </a:effectRef>
+          <a:fontRef idx="minor">
+            <a:schemeClr val="lt1"/>
+          </a:fontRef>
+        </p:style>
+        <p:txBody>
+          <a:bodyPr rtlCol="0" anchor="ctr"/>
+          <a:lstStyle/>
+          <a:p>
+            <a:pPr algn="ctr"/>
+            <a:endParaRPr lang="it-IT">
+              <a:solidFill>
+                <a:schemeClr val="accent1">
+                  <a:lumMod val="40000"/>
+                  <a:lumOff val="60000"/>
+                </a:schemeClr>
+              </a:solidFill>
+            </a:endParaRPr>
+          </a:p>
+        </p:txBody>
+      </p:sp>
+      <p:sp>
+        <p:nvSpPr>
+          <p:cNvPr id="43" name="Ovale 42"/>
+          <p:cNvSpPr/>
+          <p:nvPr/>
+        </p:nvSpPr>
+        <p:spPr>
+          <a:xfrm>
+            <a:off x="8940857" y="5737642"/>
+            <a:ext cx="127323" cy="127323"/>
+          </a:xfrm>
+          <a:prstGeom prst="ellipse">
+            <a:avLst/>
+          </a:prstGeom>
+          <a:solidFill>
+            <a:srgbClr val="CDAE13">
+              <a:alpha val="20000"/>
+            </a:srgbClr>
+          </a:solidFill>
+          <a:ln>
+            <a:noFill/>
+          </a:ln>
+        </p:spPr>
+        <p:style>
+          <a:lnRef idx="2">
+            <a:schemeClr val="accent1">
+              <a:shade val="50000"/>
+            </a:schemeClr>
+          </a:lnRef>
+          <a:fillRef idx="1">
+            <a:schemeClr val="accent1"/>
+          </a:fillRef>
+          <a:effectRef idx="0">
+            <a:schemeClr val="accent1"/>
+          </a:effectRef>
+          <a:fontRef idx="minor">
+            <a:schemeClr val="lt1"/>
+          </a:fontRef>
+        </p:style>
+        <p:txBody>
+          <a:bodyPr rtlCol="0" anchor="ctr"/>
+          <a:lstStyle/>
+          <a:p>
+            <a:pPr algn="ctr"/>
+            <a:endParaRPr lang="it-IT">
+              <a:solidFill>
+                <a:schemeClr val="accent1">
+                  <a:lumMod val="40000"/>
+                  <a:lumOff val="60000"/>
+                </a:schemeClr>
+              </a:solidFill>
+            </a:endParaRPr>
+          </a:p>
+        </p:txBody>
+      </p:sp>
+      <p:sp>
+        <p:nvSpPr>
+          <p:cNvPr id="26" name="Rettangolo 25">
+            <a:extLst>
+              <a:ext uri="{FF2B5EF4-FFF2-40B4-BE49-F238E27FC236}">
+                <a16:creationId xmlns:a16="http://schemas.microsoft.com/office/drawing/2014/main" xmlns="" id="{801AFBDF-755A-4042-8FEA-C7FEF77FB21C}"/>
+              </a:ext>
+            </a:extLst>
+          </p:cNvPr>
+          <p:cNvSpPr/>
+          <p:nvPr/>
+        </p:nvSpPr>
+        <p:spPr>
+          <a:xfrm>
+            <a:off x="539868" y="99680"/>
+            <a:ext cx="6459070" cy="646331"/>
+          </a:xfrm>
+          <a:prstGeom prst="rect">
+            <a:avLst/>
+          </a:prstGeom>
+        </p:spPr>
+        <p:txBody>
+          <a:bodyPr wrap="none">
+            <a:spAutoFit/>
+          </a:bodyPr>
+          <a:lstStyle/>
+          <a:p>
+            <a:r>
+              <a:rPr lang="it-IT" sz="3600" b="1" dirty="0" smtClean="0"/>
+              <a:t>Gestione persistenza del sistema</a:t>
+            </a:r>
+          </a:p>
+        </p:txBody>
+      </p:sp>
+      <p:sp>
+        <p:nvSpPr>
+          <p:cNvPr id="5" name="CasellaDiTesto 4"/>
+          <p:cNvSpPr txBox="1"/>
+          <p:nvPr/>
+        </p:nvSpPr>
+        <p:spPr>
+          <a:xfrm>
+            <a:off x="675029" y="732283"/>
+            <a:ext cx="11309706" cy="2862323"/>
+          </a:xfrm>
+          <a:prstGeom prst="rect">
+            <a:avLst/>
+          </a:prstGeom>
+          <a:noFill/>
+        </p:spPr>
+        <p:txBody>
+          <a:bodyPr wrap="none" rtlCol="0">
+            <a:spAutoFit/>
+          </a:bodyPr>
+          <a:lstStyle/>
+          <a:p>
+            <a:endParaRPr lang="it-IT" dirty="0" smtClean="0"/>
+          </a:p>
+          <a:p>
+            <a:r>
+              <a:rPr lang="it-IT" dirty="0" err="1" smtClean="0"/>
+              <a:t>DaoFactory</a:t>
+            </a:r>
+            <a:r>
+              <a:rPr lang="it-IT" dirty="0" smtClean="0"/>
+              <a:t> è un oggetto Singleton attraverso il quale stabiliamo una connessione con il database e di </a:t>
+            </a:r>
+            <a:r>
+              <a:rPr lang="it-IT" dirty="0"/>
+              <a:t>cui è possibile </a:t>
+            </a:r>
+            <a:endParaRPr lang="it-IT" dirty="0" smtClean="0"/>
+          </a:p>
+          <a:p>
+            <a:r>
+              <a:rPr lang="it-IT" dirty="0"/>
+              <a:t>o</a:t>
+            </a:r>
+            <a:r>
+              <a:rPr lang="it-IT" dirty="0" smtClean="0"/>
+              <a:t>ttenere un </a:t>
+            </a:r>
+            <a:r>
+              <a:rPr lang="it-IT" dirty="0"/>
+              <a:t>istanza attraverso il metodo </a:t>
+            </a:r>
+            <a:r>
+              <a:rPr lang="it-IT" dirty="0" err="1"/>
+              <a:t>getInstance</a:t>
+            </a:r>
+            <a:r>
+              <a:rPr lang="it-IT" dirty="0"/>
+              <a:t>()</a:t>
+            </a:r>
+            <a:r>
+              <a:rPr lang="it-IT" dirty="0" smtClean="0"/>
+              <a:t>.</a:t>
+            </a:r>
+          </a:p>
+          <a:p>
+            <a:r>
+              <a:rPr lang="it-IT" dirty="0" smtClean="0"/>
+              <a:t>Inoltre è di tipo </a:t>
+            </a:r>
+            <a:r>
+              <a:rPr lang="it-IT" dirty="0" err="1" smtClean="0"/>
+              <a:t>Factory</a:t>
+            </a:r>
+            <a:r>
+              <a:rPr lang="it-IT" dirty="0"/>
+              <a:t> </a:t>
+            </a:r>
+            <a:r>
+              <a:rPr lang="it-IT" dirty="0" smtClean="0"/>
+              <a:t>e permette di istanziare gli altri oggetti d’accesso al database attraverso dei metodi appositi.</a:t>
+            </a:r>
+          </a:p>
+          <a:p>
+            <a:r>
+              <a:rPr lang="it-IT" dirty="0" smtClean="0"/>
+              <a:t>Gli oggetti che istanzia sono di tipo Pure </a:t>
+            </a:r>
+            <a:r>
+              <a:rPr lang="it-IT" dirty="0" err="1" smtClean="0"/>
+              <a:t>Fabrication</a:t>
+            </a:r>
+            <a:r>
+              <a:rPr lang="it-IT" dirty="0" smtClean="0"/>
+              <a:t> e gestiscono l’interazione tra il sistema e il database:</a:t>
+            </a:r>
+          </a:p>
+          <a:p>
+            <a:endParaRPr lang="it-IT" dirty="0" smtClean="0"/>
+          </a:p>
+          <a:p>
+            <a:r>
+              <a:rPr lang="it-IT" dirty="0" err="1" smtClean="0"/>
+              <a:t>DaoServiceInitializer</a:t>
+            </a:r>
+            <a:r>
+              <a:rPr lang="it-IT" dirty="0" smtClean="0"/>
+              <a:t>, permette di caricare tutte le informazioni necessarie per l’esecuzione delle operazioni di sistema.</a:t>
+            </a:r>
+          </a:p>
+          <a:p>
+            <a:r>
+              <a:rPr lang="it-IT" dirty="0" err="1" smtClean="0"/>
+              <a:t>DaoRegistrator</a:t>
+            </a:r>
+            <a:r>
+              <a:rPr lang="it-IT" dirty="0" smtClean="0"/>
+              <a:t>, permette di registrare una prenotazione.</a:t>
+            </a:r>
+          </a:p>
+          <a:p>
+            <a:r>
+              <a:rPr lang="it-IT" dirty="0" err="1" smtClean="0"/>
+              <a:t>DaoTracker</a:t>
+            </a:r>
+            <a:r>
+              <a:rPr lang="it-IT" dirty="0" smtClean="0"/>
+              <a:t>, permette di rintracciare una prenotazione registrata precedentemente.</a:t>
+            </a:r>
+            <a:endParaRPr lang="it-IT" dirty="0"/>
+          </a:p>
+          <a:p>
+            <a:r>
+              <a:rPr lang="it-IT" dirty="0" err="1" smtClean="0"/>
+              <a:t>DaoCanceller</a:t>
+            </a:r>
+            <a:r>
+              <a:rPr lang="it-IT" dirty="0" smtClean="0"/>
+              <a:t>, permette di cancellare una prenotazione.</a:t>
+            </a:r>
+          </a:p>
+        </p:txBody>
+      </p:sp>
+    </p:spTree>
+    <p:extLst>
+      <p:ext uri="{BB962C8B-B14F-4D97-AF65-F5344CB8AC3E}">
+        <p14:creationId xmlns:p14="http://schemas.microsoft.com/office/powerpoint/2010/main" val="689558873"/>
+      </p:ext>
+    </p:extLst>
+  </p:cSld>
+  <p:clrMapOvr>
+    <a:masterClrMapping/>
+  </p:clrMapOvr>
+  <p:timing>
+    <p:tnLst>
+      <p:par>
+        <p:cTn xmlns:p14="http://schemas.microsoft.com/office/powerpoint/2010/main" id="1" dur="indefinite" restart="never" nodeType="tmRoot"/>
+      </p:par>
+    </p:tnLst>
+  </p:timing>
 </p:sld>
 </file>
 
@@ -8240,7 +10938,7 @@
           <p:cNvPr id="2" name="Rettangolo 1">
             <a:extLst>
               <a:ext uri="{FF2B5EF4-FFF2-40B4-BE49-F238E27FC236}">
-                <a16:creationId xmlns:a16="http://schemas.microsoft.com/office/drawing/2014/main" id="{AC343613-C4CF-4DA0-8873-107981F6A8D0}"/>
+                <a16:creationId xmlns:a16="http://schemas.microsoft.com/office/drawing/2014/main" xmlns="" id="{AC343613-C4CF-4DA0-8873-107981F6A8D0}"/>
               </a:ext>
             </a:extLst>
           </p:cNvPr>
@@ -8572,7 +11270,7 @@
   <p:timing>
     <p:tnLst>
       <p:par>
-        <p:cTn id="1" dur="indefinite" restart="never" nodeType="tmRoot">
+        <p:cTn xmlns:p14="http://schemas.microsoft.com/office/powerpoint/2010/main" id="1" dur="indefinite" restart="never" nodeType="tmRoot">
           <p:childTnLst>
             <p:seq concurrent="1" nextAc="seek">
               <p:cTn id="2" dur="indefinite" nodeType="mainSeq">
@@ -9774,7 +12472,7 @@
           <p:cNvPr id="23" name="Rettangolo 22">
             <a:extLst>
               <a:ext uri="{FF2B5EF4-FFF2-40B4-BE49-F238E27FC236}">
-                <a16:creationId xmlns:a16="http://schemas.microsoft.com/office/drawing/2014/main" id="{D1BA806A-8722-4411-A41D-978F5D92356A}"/>
+                <a16:creationId xmlns:a16="http://schemas.microsoft.com/office/drawing/2014/main" xmlns="" id="{D1BA806A-8722-4411-A41D-978F5D92356A}"/>
               </a:ext>
             </a:extLst>
           </p:cNvPr>
@@ -9814,7 +12512,7 @@
           <p:cNvPr id="29" name="Rettangolo 28">
             <a:extLst>
               <a:ext uri="{FF2B5EF4-FFF2-40B4-BE49-F238E27FC236}">
-                <a16:creationId xmlns:a16="http://schemas.microsoft.com/office/drawing/2014/main" id="{27042B55-FA36-4877-AA59-8D98B0046637}"/>
+                <a16:creationId xmlns:a16="http://schemas.microsoft.com/office/drawing/2014/main" xmlns="" id="{27042B55-FA36-4877-AA59-8D98B0046637}"/>
               </a:ext>
             </a:extLst>
           </p:cNvPr>
@@ -10884,7 +13582,7 @@
           <p:cNvPr id="25" name="Rettangolo 24">
             <a:extLst>
               <a:ext uri="{FF2B5EF4-FFF2-40B4-BE49-F238E27FC236}">
-                <a16:creationId xmlns:a16="http://schemas.microsoft.com/office/drawing/2014/main" id="{2223FE72-C594-45EC-AE52-DA0F7E220D36}"/>
+                <a16:creationId xmlns:a16="http://schemas.microsoft.com/office/drawing/2014/main" xmlns="" id="{2223FE72-C594-45EC-AE52-DA0F7E220D36}"/>
               </a:ext>
             </a:extLst>
           </p:cNvPr>
@@ -10924,7 +13622,7 @@
           <p:cNvPr id="26" name="Rettangolo 25">
             <a:extLst>
               <a:ext uri="{FF2B5EF4-FFF2-40B4-BE49-F238E27FC236}">
-                <a16:creationId xmlns:a16="http://schemas.microsoft.com/office/drawing/2014/main" id="{8A0DCF2A-391A-4C55-9ABE-5AFE55E85797}"/>
+                <a16:creationId xmlns:a16="http://schemas.microsoft.com/office/drawing/2014/main" xmlns="" id="{8A0DCF2A-391A-4C55-9ABE-5AFE55E85797}"/>
               </a:ext>
             </a:extLst>
           </p:cNvPr>
@@ -10958,7 +13656,7 @@
           <p:cNvPr id="27" name="Rettangolo 26">
             <a:extLst>
               <a:ext uri="{FF2B5EF4-FFF2-40B4-BE49-F238E27FC236}">
-                <a16:creationId xmlns:a16="http://schemas.microsoft.com/office/drawing/2014/main" id="{31D1855B-46AE-40B8-A990-AF8E07DF080C}"/>
+                <a16:creationId xmlns:a16="http://schemas.microsoft.com/office/drawing/2014/main" xmlns="" id="{31D1855B-46AE-40B8-A990-AF8E07DF080C}"/>
               </a:ext>
             </a:extLst>
           </p:cNvPr>
@@ -12028,7 +14726,7 @@
           <p:cNvPr id="2" name="Rettangolo 1">
             <a:extLst>
               <a:ext uri="{FF2B5EF4-FFF2-40B4-BE49-F238E27FC236}">
-                <a16:creationId xmlns:a16="http://schemas.microsoft.com/office/drawing/2014/main" id="{3088D6B0-67EA-4E8F-9E39-5DB53E3026FF}"/>
+                <a16:creationId xmlns:a16="http://schemas.microsoft.com/office/drawing/2014/main" xmlns="" id="{3088D6B0-67EA-4E8F-9E39-5DB53E3026FF}"/>
               </a:ext>
             </a:extLst>
           </p:cNvPr>
@@ -12068,7 +14766,7 @@
           <p:cNvPr id="23" name="Rettangolo 22">
             <a:extLst>
               <a:ext uri="{FF2B5EF4-FFF2-40B4-BE49-F238E27FC236}">
-                <a16:creationId xmlns:a16="http://schemas.microsoft.com/office/drawing/2014/main" id="{24AEF719-2950-446C-B1FA-D61C49401494}"/>
+                <a16:creationId xmlns:a16="http://schemas.microsoft.com/office/drawing/2014/main" xmlns="" id="{24AEF719-2950-446C-B1FA-D61C49401494}"/>
               </a:ext>
             </a:extLst>
           </p:cNvPr>
@@ -12102,7 +14800,7 @@
           <p:cNvPr id="25" name="Rettangolo 24">
             <a:extLst>
               <a:ext uri="{FF2B5EF4-FFF2-40B4-BE49-F238E27FC236}">
-                <a16:creationId xmlns:a16="http://schemas.microsoft.com/office/drawing/2014/main" id="{0E7D87D6-65CB-41BD-A78C-0E8BF4E54647}"/>
+                <a16:creationId xmlns:a16="http://schemas.microsoft.com/office/drawing/2014/main" xmlns="" id="{0E7D87D6-65CB-41BD-A78C-0E8BF4E54647}"/>
               </a:ext>
             </a:extLst>
           </p:cNvPr>
@@ -13172,7 +15870,7 @@
           <p:cNvPr id="23" name="Rettangolo 22">
             <a:extLst>
               <a:ext uri="{FF2B5EF4-FFF2-40B4-BE49-F238E27FC236}">
-                <a16:creationId xmlns:a16="http://schemas.microsoft.com/office/drawing/2014/main" id="{5D36CDF1-7660-4A1C-83BA-C0597035B660}"/>
+                <a16:creationId xmlns:a16="http://schemas.microsoft.com/office/drawing/2014/main" xmlns="" id="{5D36CDF1-7660-4A1C-83BA-C0597035B660}"/>
               </a:ext>
             </a:extLst>
           </p:cNvPr>
@@ -13206,7 +15904,7 @@
           <p:cNvPr id="25" name="Rettangolo 24">
             <a:extLst>
               <a:ext uri="{FF2B5EF4-FFF2-40B4-BE49-F238E27FC236}">
-                <a16:creationId xmlns:a16="http://schemas.microsoft.com/office/drawing/2014/main" id="{8774DDC5-E5B3-4EC0-856A-5857AA5B8392}"/>
+                <a16:creationId xmlns:a16="http://schemas.microsoft.com/office/drawing/2014/main" xmlns="" id="{8774DDC5-E5B3-4EC0-856A-5857AA5B8392}"/>
               </a:ext>
             </a:extLst>
           </p:cNvPr>
@@ -13242,7 +15940,7 @@
           <p:cNvPr id="6" name="Immagine 5">
             <a:extLst>
               <a:ext uri="{FF2B5EF4-FFF2-40B4-BE49-F238E27FC236}">
-                <a16:creationId xmlns:a16="http://schemas.microsoft.com/office/drawing/2014/main" id="{670D8937-71B7-45F9-A186-6F2D94816521}"/>
+                <a16:creationId xmlns:a16="http://schemas.microsoft.com/office/drawing/2014/main" xmlns="" id="{670D8937-71B7-45F9-A186-6F2D94816521}"/>
               </a:ext>
             </a:extLst>
           </p:cNvPr>
@@ -14312,7 +17010,7 @@
           <p:cNvPr id="23" name="Rettangolo 22">
             <a:extLst>
               <a:ext uri="{FF2B5EF4-FFF2-40B4-BE49-F238E27FC236}">
-                <a16:creationId xmlns:a16="http://schemas.microsoft.com/office/drawing/2014/main" id="{5D36CDF1-7660-4A1C-83BA-C0597035B660}"/>
+                <a16:creationId xmlns:a16="http://schemas.microsoft.com/office/drawing/2014/main" xmlns="" id="{5D36CDF1-7660-4A1C-83BA-C0597035B660}"/>
               </a:ext>
             </a:extLst>
           </p:cNvPr>
@@ -14346,7 +17044,7 @@
           <p:cNvPr id="25" name="Rettangolo 24">
             <a:extLst>
               <a:ext uri="{FF2B5EF4-FFF2-40B4-BE49-F238E27FC236}">
-                <a16:creationId xmlns:a16="http://schemas.microsoft.com/office/drawing/2014/main" id="{8774DDC5-E5B3-4EC0-856A-5857AA5B8392}"/>
+                <a16:creationId xmlns:a16="http://schemas.microsoft.com/office/drawing/2014/main" xmlns="" id="{8774DDC5-E5B3-4EC0-856A-5857AA5B8392}"/>
               </a:ext>
             </a:extLst>
           </p:cNvPr>
@@ -14382,7 +17080,7 @@
           <p:cNvPr id="2" name="Rettangolo 1">
             <a:extLst>
               <a:ext uri="{FF2B5EF4-FFF2-40B4-BE49-F238E27FC236}">
-                <a16:creationId xmlns:a16="http://schemas.microsoft.com/office/drawing/2014/main" id="{13D6D738-2F32-4E70-B888-198677F3AFEC}"/>
+                <a16:creationId xmlns:a16="http://schemas.microsoft.com/office/drawing/2014/main" xmlns="" id="{13D6D738-2F32-4E70-B888-198677F3AFEC}"/>
               </a:ext>
             </a:extLst>
           </p:cNvPr>
@@ -14515,6 +17213,13 @@
   <p:clrMapOvr>
     <a:masterClrMapping/>
   </p:clrMapOvr>
+  <p:timing>
+    <p:tnLst>
+      <p:par>
+        <p:cTn xmlns:p14="http://schemas.microsoft.com/office/powerpoint/2010/main" id="1" dur="indefinite" restart="never" nodeType="tmRoot"/>
+      </p:par>
+    </p:tnLst>
+  </p:timing>
 </p:sld>
 </file>
 
@@ -15544,7 +18249,7 @@
           <p:cNvPr id="23" name="Rettangolo 22">
             <a:extLst>
               <a:ext uri="{FF2B5EF4-FFF2-40B4-BE49-F238E27FC236}">
-                <a16:creationId xmlns:a16="http://schemas.microsoft.com/office/drawing/2014/main" id="{5D36CDF1-7660-4A1C-83BA-C0597035B660}"/>
+                <a16:creationId xmlns:a16="http://schemas.microsoft.com/office/drawing/2014/main" xmlns="" id="{5D36CDF1-7660-4A1C-83BA-C0597035B660}"/>
               </a:ext>
             </a:extLst>
           </p:cNvPr>
@@ -15578,7 +18283,7 @@
           <p:cNvPr id="24" name="Rettangolo 23">
             <a:extLst>
               <a:ext uri="{FF2B5EF4-FFF2-40B4-BE49-F238E27FC236}">
-                <a16:creationId xmlns:a16="http://schemas.microsoft.com/office/drawing/2014/main" id="{478B533E-5ED9-4253-ADE2-CC038E1F530A}"/>
+                <a16:creationId xmlns:a16="http://schemas.microsoft.com/office/drawing/2014/main" xmlns="" id="{478B533E-5ED9-4253-ADE2-CC038E1F530A}"/>
               </a:ext>
             </a:extLst>
           </p:cNvPr>
@@ -15614,7 +18319,7 @@
           <p:cNvPr id="2" name="Rettangolo 1">
             <a:extLst>
               <a:ext uri="{FF2B5EF4-FFF2-40B4-BE49-F238E27FC236}">
-                <a16:creationId xmlns:a16="http://schemas.microsoft.com/office/drawing/2014/main" id="{E3A5C8A7-E7B9-493A-BB87-0F084FF01240}"/>
+                <a16:creationId xmlns:a16="http://schemas.microsoft.com/office/drawing/2014/main" xmlns="" id="{E3A5C8A7-E7B9-493A-BB87-0F084FF01240}"/>
               </a:ext>
             </a:extLst>
           </p:cNvPr>
@@ -15713,6 +18418,13 @@
   <p:clrMapOvr>
     <a:masterClrMapping/>
   </p:clrMapOvr>
+  <p:timing>
+    <p:tnLst>
+      <p:par>
+        <p:cTn xmlns:p14="http://schemas.microsoft.com/office/powerpoint/2010/main" id="1" dur="indefinite" restart="never" nodeType="tmRoot"/>
+      </p:par>
+    </p:tnLst>
+  </p:timing>
 </p:sld>
 </file>
 
@@ -15759,7 +18471,7 @@
     </a:clrScheme>
     <a:fontScheme name="Office">
       <a:majorFont>
-        <a:latin typeface="Calibri Light" panose="020F0302020204030204"/>
+        <a:latin typeface="Calibri Light"/>
         <a:ea typeface=""/>
         <a:cs typeface=""/>
         <a:font script="Jpan" typeface="游ゴシック Light"/>
@@ -15811,7 +18523,7 @@
         <a:font script="Tfng" typeface="Ebrima"/>
       </a:majorFont>
       <a:minorFont>
-        <a:latin typeface="Calibri" panose="020F0502020204030204"/>
+        <a:latin typeface="Calibri"/>
         <a:ea typeface=""/>
         <a:cs typeface=""/>
         <a:font script="Jpan" typeface="游ゴシック"/>
@@ -16005,7 +18717,7 @@
   <a:extraClrSchemeLst/>
   <a:extLst>
     <a:ext uri="{05A4C25C-085E-4340-85A3-A5531E510DB2}">
-      <thm15:themeFamily xmlns:thm15="http://schemas.microsoft.com/office/thememl/2012/main" name="Office Theme" id="{62F939B6-93AF-4DB8-9C6B-D6C7DFDC589F}" vid="{4A3C46E8-61CC-4603-A589-7422A47A8E4A}"/>
+      <thm15:themeFamily xmlns:thm15="http://schemas.microsoft.com/office/thememl/2012/main" xmlns="" name="Office Theme" id="{62F939B6-93AF-4DB8-9C6B-D6C7DFDC589F}" vid="{4A3C46E8-61CC-4603-A589-7422A47A8E4A}"/>
     </a:ext>
   </a:extLst>
 </a:theme>
@@ -16054,7 +18766,7 @@
     </a:clrScheme>
     <a:fontScheme name="Office">
       <a:majorFont>
-        <a:latin typeface="Calibri Light" panose="020F0302020204030204"/>
+        <a:latin typeface="Calibri Light"/>
         <a:ea typeface=""/>
         <a:cs typeface=""/>
         <a:font script="Jpan" typeface="游ゴシック Light"/>
@@ -16106,7 +18818,7 @@
         <a:font script="Tfng" typeface="Ebrima"/>
       </a:majorFont>
       <a:minorFont>
-        <a:latin typeface="Calibri" panose="020F0502020204030204"/>
+        <a:latin typeface="Calibri"/>
         <a:ea typeface=""/>
         <a:cs typeface=""/>
         <a:font script="Jpan" typeface="游ゴシック"/>
@@ -16300,7 +19012,7 @@
   <a:extraClrSchemeLst/>
   <a:extLst>
     <a:ext uri="{05A4C25C-085E-4340-85A3-A5531E510DB2}">
-      <thm15:themeFamily xmlns:thm15="http://schemas.microsoft.com/office/thememl/2012/main" name="Office Theme" id="{62F939B6-93AF-4DB8-9C6B-D6C7DFDC589F}" vid="{4A3C46E8-61CC-4603-A589-7422A47A8E4A}"/>
+      <thm15:themeFamily xmlns:thm15="http://schemas.microsoft.com/office/thememl/2012/main" xmlns="" name="Office Theme" id="{62F939B6-93AF-4DB8-9C6B-D6C7DFDC589F}" vid="{4A3C46E8-61CC-4603-A589-7422A47A8E4A}"/>
     </a:ext>
   </a:extLst>
 </a:theme>
